--- a/lesson11.pptx
+++ b/lesson11.pptx
@@ -5,7 +5,7 @@
     <p:sldMasterId id="2147483648" r:id="rId1"/>
   </p:sldMasterIdLst>
   <p:notesMasterIdLst>
-    <p:notesMasterId r:id="rId30"/>
+    <p:notesMasterId r:id="rId29"/>
   </p:notesMasterIdLst>
   <p:sldIdLst>
     <p:sldId id="711" r:id="rId2"/>
@@ -20,22 +20,21 @@
     <p:sldId id="706" r:id="rId11"/>
     <p:sldId id="689" r:id="rId12"/>
     <p:sldId id="761" r:id="rId13"/>
-    <p:sldId id="708" r:id="rId14"/>
-    <p:sldId id="682" r:id="rId15"/>
-    <p:sldId id="690" r:id="rId16"/>
-    <p:sldId id="712" r:id="rId17"/>
-    <p:sldId id="695" r:id="rId18"/>
-    <p:sldId id="691" r:id="rId19"/>
-    <p:sldId id="702" r:id="rId20"/>
-    <p:sldId id="700" r:id="rId21"/>
-    <p:sldId id="698" r:id="rId22"/>
-    <p:sldId id="709" r:id="rId23"/>
-    <p:sldId id="610" r:id="rId24"/>
-    <p:sldId id="699" r:id="rId25"/>
-    <p:sldId id="679" r:id="rId26"/>
-    <p:sldId id="713" r:id="rId27"/>
-    <p:sldId id="680" r:id="rId28"/>
-    <p:sldId id="760" r:id="rId29"/>
+    <p:sldId id="682" r:id="rId14"/>
+    <p:sldId id="690" r:id="rId15"/>
+    <p:sldId id="712" r:id="rId16"/>
+    <p:sldId id="695" r:id="rId17"/>
+    <p:sldId id="691" r:id="rId18"/>
+    <p:sldId id="702" r:id="rId19"/>
+    <p:sldId id="700" r:id="rId20"/>
+    <p:sldId id="698" r:id="rId21"/>
+    <p:sldId id="709" r:id="rId22"/>
+    <p:sldId id="610" r:id="rId23"/>
+    <p:sldId id="699" r:id="rId24"/>
+    <p:sldId id="679" r:id="rId25"/>
+    <p:sldId id="713" r:id="rId26"/>
+    <p:sldId id="680" r:id="rId27"/>
+    <p:sldId id="760" r:id="rId28"/>
   </p:sldIdLst>
   <p:sldSz cx="12192000" cy="6858000"/>
   <p:notesSz cx="6858000" cy="9144000"/>
@@ -153,14 +152,6 @@
 </p:presentation>
 </file>
 
-<file path=ppt/revisionInfo.xml><?xml version="1.0" encoding="utf-8"?>
-<p1510:revInfo xmlns:a="http://schemas.openxmlformats.org/drawingml/2006/main" xmlns:r="http://schemas.openxmlformats.org/officeDocument/2006/relationships" xmlns:p1510="http://schemas.microsoft.com/office/powerpoint/2015/10/main">
-  <p1510:revLst>
-    <p1510:client id="{04E3ACC0-BF77-4055-A518-43777952D558}" v="1" dt="2021-05-05T09:25:43.789"/>
-  </p1510:revLst>
-</p1510:revInfo>
-</file>
-
 <file path=ppt/changesInfos/changesInfo1.xml><?xml version="1.0" encoding="utf-8"?>
 <pc:chgInfo xmlns:a="http://schemas.openxmlformats.org/drawingml/2006/main" xmlns:r="http://schemas.openxmlformats.org/officeDocument/2006/relationships" xmlns:ac="http://schemas.microsoft.com/office/drawing/2013/main/command" xmlns:pc="http://schemas.microsoft.com/office/powerpoint/2013/main/command">
   <pc:docChgLst>
@@ -182,6 +173,22 @@
         <pc:sldMkLst>
           <pc:docMk/>
           <pc:sldMk cId="2573887449" sldId="760"/>
+        </pc:sldMkLst>
+      </pc:sldChg>
+    </pc:docChg>
+  </pc:docChgLst>
+  <pc:docChgLst>
+    <pc:chgData name="Anatoliy Kigel" userId="7432c6c4687b0a9c" providerId="LiveId" clId="{9E4756DD-54A9-4982-8265-29ABFE1A582B}"/>
+    <pc:docChg chg="delSld">
+      <pc:chgData name="Anatoliy Kigel" userId="7432c6c4687b0a9c" providerId="LiveId" clId="{9E4756DD-54A9-4982-8265-29ABFE1A582B}" dt="2021-11-11T15:10:50.966" v="0" actId="47"/>
+      <pc:docMkLst>
+        <pc:docMk/>
+      </pc:docMkLst>
+      <pc:sldChg chg="del">
+        <pc:chgData name="Anatoliy Kigel" userId="7432c6c4687b0a9c" providerId="LiveId" clId="{9E4756DD-54A9-4982-8265-29ABFE1A582B}" dt="2021-11-11T15:10:50.966" v="0" actId="47"/>
+        <pc:sldMkLst>
+          <pc:docMk/>
+          <pc:sldMk cId="1242900387" sldId="708"/>
         </pc:sldMkLst>
       </pc:sldChg>
     </pc:docChg>
@@ -319,7 +326,7 @@
             <a:fld id="{85522811-C5C6-42D2-A409-F8556720C93F}" type="datetimeFigureOut">
               <a:rPr lang="uk-UA" smtClean="0"/>
               <a:pPr/>
-              <a:t>05.05.2021</a:t>
+              <a:t>11.11.2021</a:t>
             </a:fld>
             <a:endParaRPr lang="uk-UA"/>
           </a:p>
@@ -1034,7 +1041,7 @@
             <a:fld id="{0A2E6AC4-C3FE-4E70-88D1-136405B25267}" type="datetime1">
               <a:rPr lang="uk-UA" smtClean="0"/>
               <a:pPr/>
-              <a:t>05.05.2021</a:t>
+              <a:t>11.11.2021</a:t>
             </a:fld>
             <a:endParaRPr lang="uk-UA"/>
           </a:p>
@@ -1201,7 +1208,7 @@
             <a:fld id="{B4D85949-5AE9-41F1-B18C-DA1006B0E8CC}" type="datetime1">
               <a:rPr lang="uk-UA" smtClean="0"/>
               <a:pPr/>
-              <a:t>05.05.2021</a:t>
+              <a:t>11.11.2021</a:t>
             </a:fld>
             <a:endParaRPr lang="uk-UA"/>
           </a:p>
@@ -1378,7 +1385,7 @@
             <a:fld id="{B20C227C-94C5-4BA1-A89C-1C7570144B22}" type="datetime1">
               <a:rPr lang="uk-UA" smtClean="0"/>
               <a:pPr/>
-              <a:t>05.05.2021</a:t>
+              <a:t>11.11.2021</a:t>
             </a:fld>
             <a:endParaRPr lang="uk-UA"/>
           </a:p>
@@ -1545,7 +1552,7 @@
             <a:fld id="{68E2E168-B245-4D8D-8538-B29990DBF87B}" type="datetime1">
               <a:rPr lang="uk-UA" smtClean="0"/>
               <a:pPr/>
-              <a:t>05.05.2021</a:t>
+              <a:t>11.11.2021</a:t>
             </a:fld>
             <a:endParaRPr lang="uk-UA"/>
           </a:p>
@@ -1788,7 +1795,7 @@
             <a:fld id="{356DAF6E-7007-4E61-B36E-794BF232B234}" type="datetime1">
               <a:rPr lang="uk-UA" smtClean="0"/>
               <a:pPr/>
-              <a:t>05.05.2021</a:t>
+              <a:t>11.11.2021</a:t>
             </a:fld>
             <a:endParaRPr lang="uk-UA"/>
           </a:p>
@@ -2073,7 +2080,7 @@
             <a:fld id="{4B2141DD-FE72-44AA-B946-B70892F1F5B7}" type="datetime1">
               <a:rPr lang="uk-UA" smtClean="0"/>
               <a:pPr/>
-              <a:t>05.05.2021</a:t>
+              <a:t>11.11.2021</a:t>
             </a:fld>
             <a:endParaRPr lang="uk-UA"/>
           </a:p>
@@ -2492,7 +2499,7 @@
             <a:fld id="{D1C4DC7C-6CC4-4D1F-A21B-A650800E0532}" type="datetime1">
               <a:rPr lang="uk-UA" smtClean="0"/>
               <a:pPr/>
-              <a:t>05.05.2021</a:t>
+              <a:t>11.11.2021</a:t>
             </a:fld>
             <a:endParaRPr lang="uk-UA"/>
           </a:p>
@@ -2607,7 +2614,7 @@
             <a:fld id="{09E753FA-BE70-4E9D-A1A2-A798C2E22C2C}" type="datetime1">
               <a:rPr lang="uk-UA" smtClean="0"/>
               <a:pPr/>
-              <a:t>05.05.2021</a:t>
+              <a:t>11.11.2021</a:t>
             </a:fld>
             <a:endParaRPr lang="uk-UA"/>
           </a:p>
@@ -2699,7 +2706,7 @@
             <a:fld id="{BC4E9D1B-A194-48C6-B5A1-4C29D0F81227}" type="datetime1">
               <a:rPr lang="uk-UA" smtClean="0"/>
               <a:pPr/>
-              <a:t>05.05.2021</a:t>
+              <a:t>11.11.2021</a:t>
             </a:fld>
             <a:endParaRPr lang="uk-UA"/>
           </a:p>
@@ -2973,7 +2980,7 @@
             <a:fld id="{98DC5B78-3AEE-4E8C-84A2-DF8B252C6B7D}" type="datetime1">
               <a:rPr lang="uk-UA" smtClean="0"/>
               <a:pPr/>
-              <a:t>05.05.2021</a:t>
+              <a:t>11.11.2021</a:t>
             </a:fld>
             <a:endParaRPr lang="uk-UA"/>
           </a:p>
@@ -3223,7 +3230,7 @@
             <a:fld id="{08E6AC05-7690-4D29-B090-15CFA8055B58}" type="datetime1">
               <a:rPr lang="uk-UA" smtClean="0"/>
               <a:pPr/>
-              <a:t>05.05.2021</a:t>
+              <a:t>11.11.2021</a:t>
             </a:fld>
             <a:endParaRPr lang="uk-UA"/>
           </a:p>
@@ -3433,7 +3440,7 @@
             <a:fld id="{C4778AB5-85A2-4D58-9351-A198925B541D}" type="datetime1">
               <a:rPr lang="uk-UA" smtClean="0"/>
               <a:pPr/>
-              <a:t>05.05.2021</a:t>
+              <a:t>11.11.2021</a:t>
             </a:fld>
             <a:endParaRPr lang="uk-UA"/>
           </a:p>
@@ -4972,247 +4979,48 @@
       </p:grpSpPr>
       <p:sp>
         <p:nvSpPr>
-          <p:cNvPr id="4" name="Номер слайда 36"/>
-          <p:cNvSpPr txBox="1">
-            <a:spLocks/>
-          </p:cNvSpPr>
+          <p:cNvPr id="5" name="Прямоугольник 4"/>
+          <p:cNvSpPr/>
           <p:nvPr/>
         </p:nvSpPr>
         <p:spPr>
           <a:xfrm>
-            <a:off x="11208568" y="6237312"/>
-            <a:ext cx="648072" cy="432048"/>
-          </a:xfrm>
-          <a:prstGeom prst="roundRect">
-            <a:avLst/>
-          </a:prstGeom>
-          <a:ln w="25400" cap="flat" cmpd="sng" algn="ctr">
-            <a:solidFill>
-              <a:schemeClr val="tx2">
-                <a:lumMod val="60000"/>
-                <a:lumOff val="40000"/>
-              </a:schemeClr>
-            </a:solidFill>
-            <a:prstDash val="solid"/>
-          </a:ln>
+            <a:off x="0" y="0"/>
+            <a:ext cx="12192000" cy="6858000"/>
+          </a:xfrm>
+          <a:prstGeom prst="rect">
+            <a:avLst/>
+          </a:prstGeom>
+          <a:solidFill>
+            <a:schemeClr val="tx2">
+              <a:lumMod val="75000"/>
+            </a:schemeClr>
+          </a:solidFill>
         </p:spPr>
         <p:style>
           <a:lnRef idx="2">
-            <a:schemeClr val="accent1"/>
+            <a:schemeClr val="accent1">
+              <a:shade val="50000"/>
+            </a:schemeClr>
           </a:lnRef>
           <a:fillRef idx="1">
-            <a:schemeClr val="lt1"/>
+            <a:schemeClr val="accent1"/>
           </a:fillRef>
           <a:effectRef idx="0">
             <a:schemeClr val="accent1"/>
           </a:effectRef>
           <a:fontRef idx="minor">
-            <a:schemeClr val="dk1"/>
+            <a:schemeClr val="lt1"/>
           </a:fontRef>
         </p:style>
         <p:txBody>
-          <a:bodyPr vert="horz" lIns="91440" tIns="45720" rIns="91440" bIns="45720" rtlCol="0" anchor="ctr"/>
-          <a:lstStyle/>
-          <a:p>
-            <a:pPr algn="ctr">
-              <a:defRPr/>
-            </a:pPr>
-            <a:fld id="{6389AA22-90B4-448C-8B6B-C699140D38B9}" type="slidenum">
-              <a:rPr lang="uk-UA" sz="2400" b="1">
-                <a:solidFill>
-                  <a:schemeClr val="bg1">
-                    <a:lumMod val="50000"/>
-                  </a:schemeClr>
-                </a:solidFill>
-              </a:rPr>
-              <a:pPr algn="ctr">
-                <a:defRPr/>
-              </a:pPr>
-              <a:t>13</a:t>
-            </a:fld>
-            <a:endParaRPr lang="uk-UA" sz="2400" b="1" dirty="0">
-              <a:solidFill>
-                <a:schemeClr val="bg1">
-                  <a:lumMod val="50000"/>
-                </a:schemeClr>
-              </a:solidFill>
-            </a:endParaRPr>
-          </a:p>
-        </p:txBody>
-      </p:sp>
-      <p:sp>
-        <p:nvSpPr>
-          <p:cNvPr id="5" name="TextBox 4"/>
-          <p:cNvSpPr txBox="1"/>
-          <p:nvPr/>
-        </p:nvSpPr>
-        <p:spPr>
-          <a:xfrm>
-            <a:off x="0" y="611977"/>
-            <a:ext cx="12192000" cy="584775"/>
-          </a:xfrm>
-          <a:prstGeom prst="rect">
-            <a:avLst/>
-          </a:prstGeom>
-          <a:noFill/>
-        </p:spPr>
-        <p:txBody>
-          <a:bodyPr wrap="square" rtlCol="0">
-            <a:spAutoFit/>
-          </a:bodyPr>
+          <a:bodyPr rtlCol="0" anchor="ctr"/>
           <a:lstStyle/>
           <a:p>
             <a:pPr algn="ctr"/>
             <a:r>
-              <a:rPr lang="en-US" sz="3200" b="1" dirty="0"/>
-              <a:t>CSS Grid – auto-fill </a:t>
-            </a:r>
-            <a:r>
-              <a:rPr lang="ru-RU" sz="3200" b="1" dirty="0"/>
-              <a:t>и</a:t>
-            </a:r>
-            <a:r>
-              <a:rPr lang="en-US" sz="3200" b="1" dirty="0"/>
-              <a:t> auto-fit</a:t>
-            </a:r>
-            <a:endParaRPr lang="ru-RU" sz="3200" b="1" dirty="0"/>
-          </a:p>
-        </p:txBody>
-      </p:sp>
-      <p:sp>
-        <p:nvSpPr>
-          <p:cNvPr id="2" name="Прямоугольник 1"/>
-          <p:cNvSpPr/>
-          <p:nvPr/>
-        </p:nvSpPr>
-        <p:spPr>
-          <a:xfrm>
-            <a:off x="1703512" y="5229200"/>
-            <a:ext cx="8712968" cy="954107"/>
-          </a:xfrm>
-          <a:prstGeom prst="rect">
-            <a:avLst/>
-          </a:prstGeom>
-        </p:spPr>
-        <p:txBody>
-          <a:bodyPr wrap="square">
-            <a:spAutoFit/>
-          </a:bodyPr>
-          <a:lstStyle/>
-          <a:p>
-            <a:r>
-              <a:rPr lang="en-US" sz="2800" b="1" dirty="0">
-                <a:hlinkClick r:id="rId2"/>
-              </a:rPr>
-              <a:t>https://medium.com/@stasonmars/</a:t>
-            </a:r>
-            <a:r>
-              <a:rPr lang="uk-UA" sz="2800" b="1" dirty="0" err="1">
-                <a:hlinkClick r:id="rId2"/>
-              </a:rPr>
-              <a:t>как-работают</a:t>
-            </a:r>
-            <a:r>
-              <a:rPr lang="uk-UA" sz="2800" b="1" dirty="0">
-                <a:hlinkClick r:id="rId2"/>
-              </a:rPr>
-              <a:t>-</a:t>
-            </a:r>
-            <a:r>
-              <a:rPr lang="en-US" sz="2800" b="1" dirty="0">
-                <a:hlinkClick r:id="rId2"/>
-              </a:rPr>
-              <a:t>auto-fill-</a:t>
-            </a:r>
-            <a:r>
-              <a:rPr lang="uk-UA" sz="2800" b="1" dirty="0">
-                <a:hlinkClick r:id="rId2"/>
-              </a:rPr>
-              <a:t>и-</a:t>
-            </a:r>
-            <a:r>
-              <a:rPr lang="en-US" sz="2800" b="1" dirty="0">
-                <a:hlinkClick r:id="rId2"/>
-              </a:rPr>
-              <a:t>auto-fit-</a:t>
-            </a:r>
-            <a:r>
-              <a:rPr lang="uk-UA" sz="2800" b="1" dirty="0">
-                <a:hlinkClick r:id="rId2"/>
-              </a:rPr>
-              <a:t>в-</a:t>
-            </a:r>
-            <a:r>
-              <a:rPr lang="en-US" sz="2800" b="1" dirty="0">
-                <a:hlinkClick r:id="rId2"/>
-              </a:rPr>
-              <a:t>css-grid-7d903a6c678e</a:t>
-            </a:r>
-            <a:endParaRPr lang="ru-RU" sz="2800" b="1" dirty="0"/>
-          </a:p>
-        </p:txBody>
-      </p:sp>
-      <p:sp>
-        <p:nvSpPr>
-          <p:cNvPr id="3" name="TextBox 2"/>
-          <p:cNvSpPr txBox="1"/>
-          <p:nvPr/>
-        </p:nvSpPr>
-        <p:spPr>
-          <a:xfrm>
-            <a:off x="1595500" y="2276872"/>
-            <a:ext cx="9000999" cy="1384995"/>
-          </a:xfrm>
-          <a:prstGeom prst="rect">
-            <a:avLst/>
-          </a:prstGeom>
-          <a:noFill/>
-        </p:spPr>
-        <p:txBody>
-          <a:bodyPr wrap="square" rtlCol="0">
-            <a:spAutoFit/>
-          </a:bodyPr>
-          <a:lstStyle/>
-          <a:p>
-            <a:r>
-              <a:rPr lang="ru-RU" sz="2800" dirty="0"/>
-              <a:t>Значения </a:t>
-            </a:r>
-            <a:r>
-              <a:rPr lang="en-US" sz="2800" b="1" dirty="0"/>
-              <a:t>auto-fit</a:t>
-            </a:r>
-            <a:r>
-              <a:rPr lang="en-US" sz="2800" dirty="0"/>
-              <a:t> </a:t>
-            </a:r>
-            <a:r>
-              <a:rPr lang="ru-RU" sz="2800" dirty="0"/>
-              <a:t>и </a:t>
-            </a:r>
-            <a:r>
-              <a:rPr lang="en-US" sz="2800" b="1" dirty="0"/>
-              <a:t>auto-fill</a:t>
-            </a:r>
-            <a:r>
-              <a:rPr lang="en-US" sz="2800" dirty="0"/>
-              <a:t> </a:t>
-            </a:r>
-            <a:r>
-              <a:rPr lang="ru-RU" sz="2800" dirty="0"/>
-              <a:t>применяются при размещении в ряд элементов. С учётом ширины элементов и доступного пространства в </a:t>
-            </a:r>
-            <a:r>
-              <a:rPr lang="en-US" sz="2800" b="1" dirty="0"/>
-              <a:t>grid-</a:t>
-            </a:r>
-            <a:r>
-              <a:rPr lang="ru-RU" sz="2800" b="1" dirty="0"/>
-              <a:t>контейнере</a:t>
-            </a:r>
-            <a:r>
-              <a:rPr lang="ru-RU" sz="2800" dirty="0"/>
-              <a:t>.</a:t>
+              <a:rPr lang="en-US" sz="8000" b="1" dirty="0"/>
+              <a:t>Grid Lines</a:t>
             </a:r>
           </a:p>
         </p:txBody>
@@ -5220,7 +5028,7 @@
     </p:spTree>
     <p:extLst>
       <p:ext uri="{BB962C8B-B14F-4D97-AF65-F5344CB8AC3E}">
-        <p14:creationId xmlns:p14="http://schemas.microsoft.com/office/powerpoint/2010/main" val="1242900387"/>
+        <p14:creationId xmlns:p14="http://schemas.microsoft.com/office/powerpoint/2010/main" val="3952994852"/>
       </p:ext>
     </p:extLst>
   </p:cSld>
@@ -5249,56 +5057,361 @@
       </p:grpSpPr>
       <p:sp>
         <p:nvSpPr>
-          <p:cNvPr id="5" name="Прямоугольник 4"/>
-          <p:cNvSpPr/>
+          <p:cNvPr id="4" name="Номер слайда 36"/>
+          <p:cNvSpPr txBox="1">
+            <a:spLocks/>
+          </p:cNvSpPr>
           <p:nvPr/>
         </p:nvSpPr>
         <p:spPr>
           <a:xfrm>
-            <a:off x="0" y="0"/>
-            <a:ext cx="12192000" cy="6858000"/>
-          </a:xfrm>
-          <a:prstGeom prst="rect">
-            <a:avLst/>
-          </a:prstGeom>
-          <a:solidFill>
-            <a:schemeClr val="tx2">
-              <a:lumMod val="75000"/>
-            </a:schemeClr>
-          </a:solidFill>
+            <a:off x="11208568" y="6237312"/>
+            <a:ext cx="648072" cy="432048"/>
+          </a:xfrm>
+          <a:prstGeom prst="roundRect">
+            <a:avLst/>
+          </a:prstGeom>
+          <a:ln w="25400" cap="flat" cmpd="sng" algn="ctr">
+            <a:solidFill>
+              <a:schemeClr val="tx2">
+                <a:lumMod val="60000"/>
+                <a:lumOff val="40000"/>
+              </a:schemeClr>
+            </a:solidFill>
+            <a:prstDash val="solid"/>
+          </a:ln>
         </p:spPr>
         <p:style>
           <a:lnRef idx="2">
-            <a:schemeClr val="accent1">
-              <a:shade val="50000"/>
-            </a:schemeClr>
+            <a:schemeClr val="accent1"/>
           </a:lnRef>
           <a:fillRef idx="1">
-            <a:schemeClr val="accent1"/>
+            <a:schemeClr val="lt1"/>
           </a:fillRef>
           <a:effectRef idx="0">
             <a:schemeClr val="accent1"/>
           </a:effectRef>
           <a:fontRef idx="minor">
-            <a:schemeClr val="lt1"/>
+            <a:schemeClr val="dk1"/>
           </a:fontRef>
         </p:style>
         <p:txBody>
-          <a:bodyPr rtlCol="0" anchor="ctr"/>
+          <a:bodyPr vert="horz" lIns="91440" tIns="45720" rIns="91440" bIns="45720" rtlCol="0" anchor="ctr"/>
+          <a:lstStyle/>
+          <a:p>
+            <a:pPr algn="ctr">
+              <a:defRPr/>
+            </a:pPr>
+            <a:fld id="{6389AA22-90B4-448C-8B6B-C699140D38B9}" type="slidenum">
+              <a:rPr lang="uk-UA" sz="2400" b="1">
+                <a:solidFill>
+                  <a:schemeClr val="bg1">
+                    <a:lumMod val="50000"/>
+                  </a:schemeClr>
+                </a:solidFill>
+              </a:rPr>
+              <a:pPr algn="ctr">
+                <a:defRPr/>
+              </a:pPr>
+              <a:t>14</a:t>
+            </a:fld>
+            <a:endParaRPr lang="uk-UA" sz="2400" b="1" dirty="0">
+              <a:solidFill>
+                <a:schemeClr val="bg1">
+                  <a:lumMod val="50000"/>
+                </a:schemeClr>
+              </a:solidFill>
+            </a:endParaRPr>
+          </a:p>
+        </p:txBody>
+      </p:sp>
+      <p:sp>
+        <p:nvSpPr>
+          <p:cNvPr id="5" name="TextBox 4"/>
+          <p:cNvSpPr txBox="1"/>
+          <p:nvPr/>
+        </p:nvSpPr>
+        <p:spPr>
+          <a:xfrm>
+            <a:off x="7491339" y="276951"/>
+            <a:ext cx="4295800" cy="584775"/>
+          </a:xfrm>
+          <a:prstGeom prst="rect">
+            <a:avLst/>
+          </a:prstGeom>
+          <a:noFill/>
+        </p:spPr>
+        <p:txBody>
+          <a:bodyPr wrap="square" rtlCol="0">
+            <a:spAutoFit/>
+          </a:bodyPr>
           <a:lstStyle/>
           <a:p>
             <a:pPr algn="ctr"/>
             <a:r>
-              <a:rPr lang="en-US" sz="8000" b="1" dirty="0"/>
+              <a:rPr lang="en-US" sz="3200" b="1" dirty="0"/>
               <a:t>Grid Lines</a:t>
             </a:r>
-          </a:p>
-        </p:txBody>
-      </p:sp>
+            <a:endParaRPr lang="ru-RU" sz="3200" b="1" dirty="0"/>
+          </a:p>
+        </p:txBody>
+      </p:sp>
+      <p:sp>
+        <p:nvSpPr>
+          <p:cNvPr id="9" name="TextBox 8"/>
+          <p:cNvSpPr txBox="1"/>
+          <p:nvPr/>
+        </p:nvSpPr>
+        <p:spPr>
+          <a:xfrm>
+            <a:off x="7104112" y="836712"/>
+            <a:ext cx="4403301" cy="3693319"/>
+          </a:xfrm>
+          <a:prstGeom prst="rect">
+            <a:avLst/>
+          </a:prstGeom>
+          <a:noFill/>
+        </p:spPr>
+        <p:txBody>
+          <a:bodyPr wrap="square" rtlCol="0">
+            <a:spAutoFit/>
+          </a:bodyPr>
+          <a:lstStyle/>
+          <a:p>
+            <a:r>
+              <a:rPr lang="ru-RU" dirty="0"/>
+              <a:t>В </a:t>
+            </a:r>
+            <a:r>
+              <a:rPr lang="en-US" dirty="0"/>
+              <a:t>Grid’</a:t>
+            </a:r>
+            <a:r>
+              <a:rPr lang="ru-RU" dirty="0"/>
+              <a:t>е есть понятие линии </a:t>
+            </a:r>
+            <a:r>
+              <a:rPr lang="en-US" dirty="0"/>
+              <a:t>(</a:t>
+            </a:r>
+            <a:r>
+              <a:rPr lang="en-US" b="1" dirty="0"/>
+              <a:t>lines</a:t>
+            </a:r>
+            <a:r>
+              <a:rPr lang="ru-RU" dirty="0"/>
+              <a:t>) - </a:t>
+            </a:r>
+            <a:r>
+              <a:rPr lang="en-US" dirty="0"/>
+              <a:t> </a:t>
+            </a:r>
+            <a:r>
+              <a:rPr lang="ru-RU" dirty="0"/>
+              <a:t>линии которая разделяет строки и/или столбцы в сетке.</a:t>
+            </a:r>
+            <a:r>
+              <a:rPr lang="en-US" dirty="0"/>
+              <a:t> </a:t>
+            </a:r>
+            <a:r>
+              <a:rPr lang="ru-RU" dirty="0"/>
+              <a:t>При помощи этих линий (точнее их номеров), мы можем размещать элементы внутри сетки не по порядку, а в нужных нам ячейках. Для этого нам нужны свойства: </a:t>
+            </a:r>
+            <a:r>
+              <a:rPr lang="en-US" b="1" dirty="0"/>
+              <a:t>grid-column-start, grid-column-end, grid-row-start, grid-row-end</a:t>
+            </a:r>
+            <a:r>
+              <a:rPr lang="en-US" dirty="0"/>
+              <a:t> – </a:t>
+            </a:r>
+            <a:r>
+              <a:rPr lang="ru-RU" dirty="0"/>
+              <a:t>которые, соответственно, задают номера начальной и конечной вертикальной линии, и начальной и конечной горизонтальной линии.</a:t>
+            </a:r>
+            <a:r>
+              <a:rPr lang="en-US" dirty="0"/>
+              <a:t> </a:t>
+            </a:r>
+            <a:r>
+              <a:rPr lang="ru-RU" b="1" i="1" dirty="0">
+                <a:solidFill>
+                  <a:srgbClr val="00B050"/>
+                </a:solidFill>
+              </a:rPr>
+              <a:t>Но это далеко не самый удобный способ…</a:t>
+            </a:r>
+          </a:p>
+        </p:txBody>
+      </p:sp>
+      <p:sp>
+        <p:nvSpPr>
+          <p:cNvPr id="11" name="Прямоугольник 10"/>
+          <p:cNvSpPr/>
+          <p:nvPr/>
+        </p:nvSpPr>
+        <p:spPr>
+          <a:xfrm>
+            <a:off x="7176120" y="4672375"/>
+            <a:ext cx="3237489" cy="307777"/>
+          </a:xfrm>
+          <a:prstGeom prst="rect">
+            <a:avLst/>
+          </a:prstGeom>
+        </p:spPr>
+        <p:txBody>
+          <a:bodyPr wrap="none">
+            <a:spAutoFit/>
+          </a:bodyPr>
+          <a:lstStyle/>
+          <a:p>
+            <a:r>
+              <a:rPr lang="en-US" sz="1400" b="1" dirty="0">
+                <a:hlinkClick r:id="rId2"/>
+              </a:rPr>
+              <a:t>https://xsltdev.ru/css/grid-column-start/</a:t>
+            </a:r>
+            <a:endParaRPr lang="uk-UA" sz="1400" b="1" dirty="0"/>
+          </a:p>
+        </p:txBody>
+      </p:sp>
+      <p:sp>
+        <p:nvSpPr>
+          <p:cNvPr id="6" name="Прямоугольник 5"/>
+          <p:cNvSpPr/>
+          <p:nvPr/>
+        </p:nvSpPr>
+        <p:spPr>
+          <a:xfrm>
+            <a:off x="7176120" y="5043980"/>
+            <a:ext cx="3173882" cy="307777"/>
+          </a:xfrm>
+          <a:prstGeom prst="rect">
+            <a:avLst/>
+          </a:prstGeom>
+        </p:spPr>
+        <p:txBody>
+          <a:bodyPr wrap="none">
+            <a:spAutoFit/>
+          </a:bodyPr>
+          <a:lstStyle/>
+          <a:p>
+            <a:r>
+              <a:rPr lang="en-US" sz="1400" b="1" dirty="0">
+                <a:hlinkClick r:id="rId3"/>
+              </a:rPr>
+              <a:t>https://xsltdev.ru/css/grid-column-end/</a:t>
+            </a:r>
+            <a:endParaRPr lang="uk-UA" sz="1400" b="1" dirty="0"/>
+          </a:p>
+        </p:txBody>
+      </p:sp>
+      <p:sp>
+        <p:nvSpPr>
+          <p:cNvPr id="12" name="Прямоугольник 11"/>
+          <p:cNvSpPr/>
+          <p:nvPr/>
+        </p:nvSpPr>
+        <p:spPr>
+          <a:xfrm>
+            <a:off x="7176120" y="5415585"/>
+            <a:ext cx="2974597" cy="307777"/>
+          </a:xfrm>
+          <a:prstGeom prst="rect">
+            <a:avLst/>
+          </a:prstGeom>
+        </p:spPr>
+        <p:txBody>
+          <a:bodyPr wrap="none">
+            <a:spAutoFit/>
+          </a:bodyPr>
+          <a:lstStyle/>
+          <a:p>
+            <a:r>
+              <a:rPr lang="en-US" sz="1400" b="1" dirty="0">
+                <a:hlinkClick r:id="rId4"/>
+              </a:rPr>
+              <a:t>https://xsltdev.ru/css/grid-row-start/</a:t>
+            </a:r>
+            <a:endParaRPr lang="uk-UA" sz="1400" b="1" dirty="0"/>
+          </a:p>
+        </p:txBody>
+      </p:sp>
+      <p:sp>
+        <p:nvSpPr>
+          <p:cNvPr id="13" name="Прямоугольник 12"/>
+          <p:cNvSpPr/>
+          <p:nvPr/>
+        </p:nvSpPr>
+        <p:spPr>
+          <a:xfrm>
+            <a:off x="7176120" y="5787190"/>
+            <a:ext cx="2910990" cy="307777"/>
+          </a:xfrm>
+          <a:prstGeom prst="rect">
+            <a:avLst/>
+          </a:prstGeom>
+        </p:spPr>
+        <p:txBody>
+          <a:bodyPr wrap="none">
+            <a:spAutoFit/>
+          </a:bodyPr>
+          <a:lstStyle/>
+          <a:p>
+            <a:r>
+              <a:rPr lang="en-US" sz="1400" b="1" dirty="0">
+                <a:hlinkClick r:id="rId5"/>
+              </a:rPr>
+              <a:t>https://xsltdev.ru/css/grid-row-end/</a:t>
+            </a:r>
+            <a:endParaRPr lang="uk-UA" sz="1400" b="1" dirty="0"/>
+          </a:p>
+        </p:txBody>
+      </p:sp>
+      <p:pic>
+        <p:nvPicPr>
+          <p:cNvPr id="3074" name="Picture 2" descr="ÐÐ¾Ð²âÑÐ·Ð°Ð½Ðµ Ð·Ð¾Ð±ÑÐ°Ð¶ÐµÐ½Ð½Ñ"/>
+          <p:cNvPicPr>
+            <a:picLocks noChangeAspect="1" noChangeArrowheads="1"/>
+          </p:cNvPicPr>
+          <p:nvPr/>
+        </p:nvPicPr>
+        <p:blipFill rotWithShape="1">
+          <a:blip r:embed="rId6">
+            <a:extLst>
+              <a:ext uri="{28A0092B-C50C-407E-A947-70E740481C1C}">
+                <a14:useLocalDpi xmlns:a14="http://schemas.microsoft.com/office/drawing/2010/main" val="0"/>
+              </a:ext>
+            </a:extLst>
+          </a:blip>
+          <a:srcRect l="21698" t="3313" r="22346" b="3642"/>
+          <a:stretch/>
+        </p:blipFill>
+        <p:spPr bwMode="auto">
+          <a:xfrm>
+            <a:off x="1127448" y="188640"/>
+            <a:ext cx="4968552" cy="6489537"/>
+          </a:xfrm>
+          <a:prstGeom prst="rect">
+            <a:avLst/>
+          </a:prstGeom>
+          <a:noFill/>
+          <a:extLst>
+            <a:ext uri="{909E8E84-426E-40DD-AFC4-6F175D3DCCD1}">
+              <a14:hiddenFill xmlns:a14="http://schemas.microsoft.com/office/drawing/2010/main">
+                <a:solidFill>
+                  <a:srgbClr val="FFFFFF"/>
+                </a:solidFill>
+              </a14:hiddenFill>
+            </a:ext>
+          </a:extLst>
+        </p:spPr>
+      </p:pic>
     </p:spTree>
     <p:extLst>
       <p:ext uri="{BB962C8B-B14F-4D97-AF65-F5344CB8AC3E}">
-        <p14:creationId xmlns:p14="http://schemas.microsoft.com/office/powerpoint/2010/main" val="3952994852"/>
+        <p14:creationId xmlns:p14="http://schemas.microsoft.com/office/powerpoint/2010/main" val="507519320"/>
       </p:ext>
     </p:extLst>
   </p:cSld>
@@ -5327,361 +5440,56 @@
       </p:grpSpPr>
       <p:sp>
         <p:nvSpPr>
-          <p:cNvPr id="4" name="Номер слайда 36"/>
-          <p:cNvSpPr txBox="1">
-            <a:spLocks/>
-          </p:cNvSpPr>
+          <p:cNvPr id="5" name="Прямоугольник 4"/>
+          <p:cNvSpPr/>
           <p:nvPr/>
         </p:nvSpPr>
         <p:spPr>
           <a:xfrm>
-            <a:off x="11208568" y="6237312"/>
-            <a:ext cx="648072" cy="432048"/>
-          </a:xfrm>
-          <a:prstGeom prst="roundRect">
-            <a:avLst/>
-          </a:prstGeom>
-          <a:ln w="25400" cap="flat" cmpd="sng" algn="ctr">
-            <a:solidFill>
-              <a:schemeClr val="tx2">
-                <a:lumMod val="60000"/>
-                <a:lumOff val="40000"/>
-              </a:schemeClr>
-            </a:solidFill>
-            <a:prstDash val="solid"/>
-          </a:ln>
+            <a:off x="0" y="0"/>
+            <a:ext cx="12192000" cy="6858000"/>
+          </a:xfrm>
+          <a:prstGeom prst="rect">
+            <a:avLst/>
+          </a:prstGeom>
+          <a:solidFill>
+            <a:schemeClr val="tx2">
+              <a:lumMod val="75000"/>
+            </a:schemeClr>
+          </a:solidFill>
         </p:spPr>
         <p:style>
           <a:lnRef idx="2">
-            <a:schemeClr val="accent1"/>
+            <a:schemeClr val="accent1">
+              <a:shade val="50000"/>
+            </a:schemeClr>
           </a:lnRef>
           <a:fillRef idx="1">
-            <a:schemeClr val="lt1"/>
+            <a:schemeClr val="accent1"/>
           </a:fillRef>
           <a:effectRef idx="0">
             <a:schemeClr val="accent1"/>
           </a:effectRef>
           <a:fontRef idx="minor">
-            <a:schemeClr val="dk1"/>
+            <a:schemeClr val="lt1"/>
           </a:fontRef>
         </p:style>
         <p:txBody>
-          <a:bodyPr vert="horz" lIns="91440" tIns="45720" rIns="91440" bIns="45720" rtlCol="0" anchor="ctr"/>
-          <a:lstStyle/>
-          <a:p>
-            <a:pPr algn="ctr">
-              <a:defRPr/>
-            </a:pPr>
-            <a:fld id="{6389AA22-90B4-448C-8B6B-C699140D38B9}" type="slidenum">
-              <a:rPr lang="uk-UA" sz="2400" b="1">
-                <a:solidFill>
-                  <a:schemeClr val="bg1">
-                    <a:lumMod val="50000"/>
-                  </a:schemeClr>
-                </a:solidFill>
-              </a:rPr>
-              <a:pPr algn="ctr">
-                <a:defRPr/>
-              </a:pPr>
-              <a:t>15</a:t>
-            </a:fld>
-            <a:endParaRPr lang="uk-UA" sz="2400" b="1" dirty="0">
-              <a:solidFill>
-                <a:schemeClr val="bg1">
-                  <a:lumMod val="50000"/>
-                </a:schemeClr>
-              </a:solidFill>
-            </a:endParaRPr>
-          </a:p>
-        </p:txBody>
-      </p:sp>
-      <p:sp>
-        <p:nvSpPr>
-          <p:cNvPr id="5" name="TextBox 4"/>
-          <p:cNvSpPr txBox="1"/>
-          <p:nvPr/>
-        </p:nvSpPr>
-        <p:spPr>
-          <a:xfrm>
-            <a:off x="7491339" y="276951"/>
-            <a:ext cx="4295800" cy="584775"/>
-          </a:xfrm>
-          <a:prstGeom prst="rect">
-            <a:avLst/>
-          </a:prstGeom>
-          <a:noFill/>
-        </p:spPr>
-        <p:txBody>
-          <a:bodyPr wrap="square" rtlCol="0">
-            <a:spAutoFit/>
-          </a:bodyPr>
+          <a:bodyPr rtlCol="0" anchor="ctr"/>
           <a:lstStyle/>
           <a:p>
             <a:pPr algn="ctr"/>
             <a:r>
-              <a:rPr lang="en-US" sz="3200" b="1" dirty="0"/>
-              <a:t>Grid Lines</a:t>
-            </a:r>
-            <a:endParaRPr lang="ru-RU" sz="3200" b="1" dirty="0"/>
-          </a:p>
-        </p:txBody>
-      </p:sp>
-      <p:sp>
-        <p:nvSpPr>
-          <p:cNvPr id="9" name="TextBox 8"/>
-          <p:cNvSpPr txBox="1"/>
-          <p:nvPr/>
-        </p:nvSpPr>
-        <p:spPr>
-          <a:xfrm>
-            <a:off x="7104112" y="836712"/>
-            <a:ext cx="4403301" cy="3693319"/>
-          </a:xfrm>
-          <a:prstGeom prst="rect">
-            <a:avLst/>
-          </a:prstGeom>
-          <a:noFill/>
-        </p:spPr>
-        <p:txBody>
-          <a:bodyPr wrap="square" rtlCol="0">
-            <a:spAutoFit/>
-          </a:bodyPr>
-          <a:lstStyle/>
-          <a:p>
-            <a:r>
-              <a:rPr lang="ru-RU" dirty="0"/>
-              <a:t>В </a:t>
-            </a:r>
-            <a:r>
-              <a:rPr lang="en-US" dirty="0"/>
-              <a:t>Grid’</a:t>
-            </a:r>
-            <a:r>
-              <a:rPr lang="ru-RU" dirty="0"/>
-              <a:t>е есть понятие линии </a:t>
-            </a:r>
-            <a:r>
-              <a:rPr lang="en-US" dirty="0"/>
-              <a:t>(</a:t>
-            </a:r>
-            <a:r>
-              <a:rPr lang="en-US" b="1" dirty="0"/>
-              <a:t>lines</a:t>
-            </a:r>
-            <a:r>
-              <a:rPr lang="ru-RU" dirty="0"/>
-              <a:t>) - </a:t>
-            </a:r>
-            <a:r>
-              <a:rPr lang="en-US" dirty="0"/>
-              <a:t> </a:t>
-            </a:r>
-            <a:r>
-              <a:rPr lang="ru-RU" dirty="0"/>
-              <a:t>линии которая разделяет строки и/или столбцы в сетке.</a:t>
-            </a:r>
-            <a:r>
-              <a:rPr lang="en-US" dirty="0"/>
-              <a:t> </a:t>
-            </a:r>
-            <a:r>
-              <a:rPr lang="ru-RU" dirty="0"/>
-              <a:t>При помощи этих линий (точнее их номеров), мы можем размещать элементы внутри сетки не по порядку, а в нужных нам ячейках. Для этого нам нужны свойства: </a:t>
-            </a:r>
-            <a:r>
-              <a:rPr lang="en-US" b="1" dirty="0"/>
-              <a:t>grid-column-start, grid-column-end, grid-row-start, grid-row-end</a:t>
-            </a:r>
-            <a:r>
-              <a:rPr lang="en-US" dirty="0"/>
-              <a:t> – </a:t>
-            </a:r>
-            <a:r>
-              <a:rPr lang="ru-RU" dirty="0"/>
-              <a:t>которые, соответственно, задают номера начальной и конечной вертикальной линии, и начальной и конечной горизонтальной линии.</a:t>
-            </a:r>
-            <a:r>
-              <a:rPr lang="en-US" dirty="0"/>
-              <a:t> </a:t>
-            </a:r>
-            <a:r>
-              <a:rPr lang="ru-RU" b="1" i="1" dirty="0">
-                <a:solidFill>
-                  <a:srgbClr val="00B050"/>
-                </a:solidFill>
-              </a:rPr>
-              <a:t>Но это далеко не самый удобный способ…</a:t>
-            </a:r>
-          </a:p>
-        </p:txBody>
-      </p:sp>
-      <p:sp>
-        <p:nvSpPr>
-          <p:cNvPr id="11" name="Прямоугольник 10"/>
-          <p:cNvSpPr/>
-          <p:nvPr/>
-        </p:nvSpPr>
-        <p:spPr>
-          <a:xfrm>
-            <a:off x="7176120" y="4672375"/>
-            <a:ext cx="3237489" cy="307777"/>
-          </a:xfrm>
-          <a:prstGeom prst="rect">
-            <a:avLst/>
-          </a:prstGeom>
-        </p:spPr>
-        <p:txBody>
-          <a:bodyPr wrap="none">
-            <a:spAutoFit/>
-          </a:bodyPr>
-          <a:lstStyle/>
-          <a:p>
-            <a:r>
-              <a:rPr lang="en-US" sz="1400" b="1" dirty="0">
-                <a:hlinkClick r:id="rId2"/>
-              </a:rPr>
-              <a:t>https://xsltdev.ru/css/grid-column-start/</a:t>
-            </a:r>
-            <a:endParaRPr lang="uk-UA" sz="1400" b="1" dirty="0"/>
-          </a:p>
-        </p:txBody>
-      </p:sp>
-      <p:sp>
-        <p:nvSpPr>
-          <p:cNvPr id="6" name="Прямоугольник 5"/>
-          <p:cNvSpPr/>
-          <p:nvPr/>
-        </p:nvSpPr>
-        <p:spPr>
-          <a:xfrm>
-            <a:off x="7176120" y="5043980"/>
-            <a:ext cx="3173882" cy="307777"/>
-          </a:xfrm>
-          <a:prstGeom prst="rect">
-            <a:avLst/>
-          </a:prstGeom>
-        </p:spPr>
-        <p:txBody>
-          <a:bodyPr wrap="none">
-            <a:spAutoFit/>
-          </a:bodyPr>
-          <a:lstStyle/>
-          <a:p>
-            <a:r>
-              <a:rPr lang="en-US" sz="1400" b="1" dirty="0">
-                <a:hlinkClick r:id="rId3"/>
-              </a:rPr>
-              <a:t>https://xsltdev.ru/css/grid-column-end/</a:t>
-            </a:r>
-            <a:endParaRPr lang="uk-UA" sz="1400" b="1" dirty="0"/>
-          </a:p>
-        </p:txBody>
-      </p:sp>
-      <p:sp>
-        <p:nvSpPr>
-          <p:cNvPr id="12" name="Прямоугольник 11"/>
-          <p:cNvSpPr/>
-          <p:nvPr/>
-        </p:nvSpPr>
-        <p:spPr>
-          <a:xfrm>
-            <a:off x="7176120" y="5415585"/>
-            <a:ext cx="2974597" cy="307777"/>
-          </a:xfrm>
-          <a:prstGeom prst="rect">
-            <a:avLst/>
-          </a:prstGeom>
-        </p:spPr>
-        <p:txBody>
-          <a:bodyPr wrap="none">
-            <a:spAutoFit/>
-          </a:bodyPr>
-          <a:lstStyle/>
-          <a:p>
-            <a:r>
-              <a:rPr lang="en-US" sz="1400" b="1" dirty="0">
-                <a:hlinkClick r:id="rId4"/>
-              </a:rPr>
-              <a:t>https://xsltdev.ru/css/grid-row-start/</a:t>
-            </a:r>
-            <a:endParaRPr lang="uk-UA" sz="1400" b="1" dirty="0"/>
-          </a:p>
-        </p:txBody>
-      </p:sp>
-      <p:sp>
-        <p:nvSpPr>
-          <p:cNvPr id="13" name="Прямоугольник 12"/>
-          <p:cNvSpPr/>
-          <p:nvPr/>
-        </p:nvSpPr>
-        <p:spPr>
-          <a:xfrm>
-            <a:off x="7176120" y="5787190"/>
-            <a:ext cx="2910990" cy="307777"/>
-          </a:xfrm>
-          <a:prstGeom prst="rect">
-            <a:avLst/>
-          </a:prstGeom>
-        </p:spPr>
-        <p:txBody>
-          <a:bodyPr wrap="none">
-            <a:spAutoFit/>
-          </a:bodyPr>
-          <a:lstStyle/>
-          <a:p>
-            <a:r>
-              <a:rPr lang="en-US" sz="1400" b="1" dirty="0">
-                <a:hlinkClick r:id="rId5"/>
-              </a:rPr>
-              <a:t>https://xsltdev.ru/css/grid-row-end/</a:t>
-            </a:r>
-            <a:endParaRPr lang="uk-UA" sz="1400" b="1" dirty="0"/>
-          </a:p>
-        </p:txBody>
-      </p:sp>
-      <p:pic>
-        <p:nvPicPr>
-          <p:cNvPr id="3074" name="Picture 2" descr="ÐÐ¾Ð²âÑÐ·Ð°Ð½Ðµ Ð·Ð¾Ð±ÑÐ°Ð¶ÐµÐ½Ð½Ñ"/>
-          <p:cNvPicPr>
-            <a:picLocks noChangeAspect="1" noChangeArrowheads="1"/>
-          </p:cNvPicPr>
-          <p:nvPr/>
-        </p:nvPicPr>
-        <p:blipFill rotWithShape="1">
-          <a:blip r:embed="rId6">
-            <a:extLst>
-              <a:ext uri="{28A0092B-C50C-407E-A947-70E740481C1C}">
-                <a14:useLocalDpi xmlns:a14="http://schemas.microsoft.com/office/drawing/2010/main" val="0"/>
-              </a:ext>
-            </a:extLst>
-          </a:blip>
-          <a:srcRect l="21698" t="3313" r="22346" b="3642"/>
-          <a:stretch/>
-        </p:blipFill>
-        <p:spPr bwMode="auto">
-          <a:xfrm>
-            <a:off x="1127448" y="188640"/>
-            <a:ext cx="4968552" cy="6489537"/>
-          </a:xfrm>
-          <a:prstGeom prst="rect">
-            <a:avLst/>
-          </a:prstGeom>
-          <a:noFill/>
-          <a:extLst>
-            <a:ext uri="{909E8E84-426E-40DD-AFC4-6F175D3DCCD1}">
-              <a14:hiddenFill xmlns:a14="http://schemas.microsoft.com/office/drawing/2010/main">
-                <a:solidFill>
-                  <a:srgbClr val="FFFFFF"/>
-                </a:solidFill>
-              </a14:hiddenFill>
-            </a:ext>
-          </a:extLst>
-        </p:spPr>
-      </p:pic>
+              <a:rPr lang="en-US" sz="8000" b="1" dirty="0"/>
+              <a:t>CSS Grid Areas</a:t>
+            </a:r>
+          </a:p>
+        </p:txBody>
+      </p:sp>
     </p:spTree>
     <p:extLst>
       <p:ext uri="{BB962C8B-B14F-4D97-AF65-F5344CB8AC3E}">
-        <p14:creationId xmlns:p14="http://schemas.microsoft.com/office/powerpoint/2010/main" val="507519320"/>
+        <p14:creationId xmlns:p14="http://schemas.microsoft.com/office/powerpoint/2010/main" val="1864376429"/>
       </p:ext>
     </p:extLst>
   </p:cSld>
@@ -5710,23 +5518,292 @@
       </p:grpSpPr>
       <p:sp>
         <p:nvSpPr>
-          <p:cNvPr id="5" name="Прямоугольник 4"/>
+          <p:cNvPr id="4" name="Номер слайда 36"/>
+          <p:cNvSpPr txBox="1">
+            <a:spLocks/>
+          </p:cNvSpPr>
+          <p:nvPr/>
+        </p:nvSpPr>
+        <p:spPr>
+          <a:xfrm>
+            <a:off x="11208568" y="6237312"/>
+            <a:ext cx="648072" cy="432048"/>
+          </a:xfrm>
+          <a:prstGeom prst="roundRect">
+            <a:avLst/>
+          </a:prstGeom>
+          <a:ln w="25400" cap="flat" cmpd="sng" algn="ctr">
+            <a:solidFill>
+              <a:schemeClr val="tx2">
+                <a:lumMod val="60000"/>
+                <a:lumOff val="40000"/>
+              </a:schemeClr>
+            </a:solidFill>
+            <a:prstDash val="solid"/>
+          </a:ln>
+        </p:spPr>
+        <p:style>
+          <a:lnRef idx="2">
+            <a:schemeClr val="accent1"/>
+          </a:lnRef>
+          <a:fillRef idx="1">
+            <a:schemeClr val="lt1"/>
+          </a:fillRef>
+          <a:effectRef idx="0">
+            <a:schemeClr val="accent1"/>
+          </a:effectRef>
+          <a:fontRef idx="minor">
+            <a:schemeClr val="dk1"/>
+          </a:fontRef>
+        </p:style>
+        <p:txBody>
+          <a:bodyPr vert="horz" lIns="91440" tIns="45720" rIns="91440" bIns="45720" rtlCol="0" anchor="ctr"/>
+          <a:lstStyle/>
+          <a:p>
+            <a:pPr algn="ctr">
+              <a:defRPr/>
+            </a:pPr>
+            <a:fld id="{6389AA22-90B4-448C-8B6B-C699140D38B9}" type="slidenum">
+              <a:rPr lang="uk-UA" sz="2400" b="1">
+                <a:solidFill>
+                  <a:schemeClr val="bg1">
+                    <a:lumMod val="50000"/>
+                  </a:schemeClr>
+                </a:solidFill>
+              </a:rPr>
+              <a:pPr algn="ctr">
+                <a:defRPr/>
+              </a:pPr>
+              <a:t>16</a:t>
+            </a:fld>
+            <a:endParaRPr lang="uk-UA" sz="2400" b="1" dirty="0">
+              <a:solidFill>
+                <a:schemeClr val="bg1">
+                  <a:lumMod val="50000"/>
+                </a:schemeClr>
+              </a:solidFill>
+            </a:endParaRPr>
+          </a:p>
+        </p:txBody>
+      </p:sp>
+      <p:sp>
+        <p:nvSpPr>
+          <p:cNvPr id="5" name="TextBox 4"/>
+          <p:cNvSpPr txBox="1"/>
+          <p:nvPr/>
+        </p:nvSpPr>
+        <p:spPr>
+          <a:xfrm>
+            <a:off x="7812870" y="161616"/>
+            <a:ext cx="4295800" cy="584775"/>
+          </a:xfrm>
+          <a:prstGeom prst="rect">
+            <a:avLst/>
+          </a:prstGeom>
+          <a:noFill/>
+        </p:spPr>
+        <p:txBody>
+          <a:bodyPr wrap="square" rtlCol="0">
+            <a:spAutoFit/>
+          </a:bodyPr>
+          <a:lstStyle/>
+          <a:p>
+            <a:pPr algn="ctr"/>
+            <a:r>
+              <a:rPr lang="en-US" sz="3200" b="1" dirty="0"/>
+              <a:t>Grid Areas</a:t>
+            </a:r>
+            <a:endParaRPr lang="ru-RU" sz="3200" b="1" dirty="0"/>
+          </a:p>
+        </p:txBody>
+      </p:sp>
+      <p:sp>
+        <p:nvSpPr>
+          <p:cNvPr id="9" name="TextBox 8"/>
+          <p:cNvSpPr txBox="1"/>
+          <p:nvPr/>
+        </p:nvSpPr>
+        <p:spPr>
+          <a:xfrm>
+            <a:off x="8220786" y="774733"/>
+            <a:ext cx="3736347" cy="2585323"/>
+          </a:xfrm>
+          <a:prstGeom prst="rect">
+            <a:avLst/>
+          </a:prstGeom>
+          <a:noFill/>
+        </p:spPr>
+        <p:txBody>
+          <a:bodyPr wrap="square" rtlCol="0">
+            <a:spAutoFit/>
+          </a:bodyPr>
+          <a:lstStyle/>
+          <a:p>
+            <a:r>
+              <a:rPr lang="en-US" b="1" dirty="0"/>
+              <a:t>CSS Grid </a:t>
+            </a:r>
+            <a:r>
+              <a:rPr lang="ru-RU" dirty="0"/>
+              <a:t>позволяет в текстовом виде формировать макет. Для этого у каждого элемента в сетке должно быть задано имя посредством свойства </a:t>
+            </a:r>
+            <a:r>
+              <a:rPr lang="en-US" b="1" dirty="0"/>
+              <a:t>grid-area</a:t>
+            </a:r>
+            <a:r>
+              <a:rPr lang="en-US" dirty="0"/>
+              <a:t>. </a:t>
+            </a:r>
+            <a:r>
+              <a:rPr lang="ru-RU" dirty="0"/>
+              <a:t>А при помощи свойств </a:t>
+            </a:r>
+            <a:r>
+              <a:rPr lang="en-US" b="1" dirty="0"/>
+              <a:t>grid-template-areas</a:t>
+            </a:r>
+            <a:r>
+              <a:rPr lang="en-US" dirty="0"/>
+              <a:t> </a:t>
+            </a:r>
+            <a:r>
+              <a:rPr lang="ru-RU" dirty="0"/>
+              <a:t>мы задаём расположение элементов в сетке при помощи заданных имён элементов.</a:t>
+            </a:r>
+          </a:p>
+        </p:txBody>
+      </p:sp>
+      <p:sp>
+        <p:nvSpPr>
+          <p:cNvPr id="11" name="Прямоугольник 10"/>
           <p:cNvSpPr/>
           <p:nvPr/>
         </p:nvSpPr>
         <p:spPr>
           <a:xfrm>
-            <a:off x="0" y="0"/>
-            <a:ext cx="12192000" cy="6858000"/>
+            <a:off x="8238893" y="3370532"/>
+            <a:ext cx="2958182" cy="338554"/>
           </a:xfrm>
           <a:prstGeom prst="rect">
             <a:avLst/>
           </a:prstGeom>
-          <a:solidFill>
-            <a:schemeClr val="tx2">
-              <a:lumMod val="75000"/>
-            </a:schemeClr>
-          </a:solidFill>
+        </p:spPr>
+        <p:txBody>
+          <a:bodyPr wrap="none">
+            <a:spAutoFit/>
+          </a:bodyPr>
+          <a:lstStyle/>
+          <a:p>
+            <a:r>
+              <a:rPr lang="en-US" sz="1600" b="1" dirty="0">
+                <a:hlinkClick r:id="rId2"/>
+              </a:rPr>
+              <a:t>https://xsltdev.ru/css/grid-area/</a:t>
+            </a:r>
+            <a:endParaRPr lang="uk-UA" sz="1600" b="1" dirty="0"/>
+          </a:p>
+        </p:txBody>
+      </p:sp>
+      <p:sp>
+        <p:nvSpPr>
+          <p:cNvPr id="6" name="Прямоугольник 5"/>
+          <p:cNvSpPr/>
+          <p:nvPr/>
+        </p:nvSpPr>
+        <p:spPr>
+          <a:xfrm>
+            <a:off x="8238893" y="3742137"/>
+            <a:ext cx="3869777" cy="338554"/>
+          </a:xfrm>
+          <a:prstGeom prst="rect">
+            <a:avLst/>
+          </a:prstGeom>
+        </p:spPr>
+        <p:txBody>
+          <a:bodyPr wrap="none">
+            <a:spAutoFit/>
+          </a:bodyPr>
+          <a:lstStyle/>
+          <a:p>
+            <a:r>
+              <a:rPr lang="en-US" sz="1600" b="1" dirty="0">
+                <a:hlinkClick r:id="rId3"/>
+              </a:rPr>
+              <a:t>https://xsltdev.ru/css/grid-template-areas/</a:t>
+            </a:r>
+            <a:endParaRPr lang="uk-UA" sz="1600" b="1" dirty="0"/>
+          </a:p>
+        </p:txBody>
+      </p:sp>
+      <p:pic>
+        <p:nvPicPr>
+          <p:cNvPr id="2" name="Рисунок 1"/>
+          <p:cNvPicPr>
+            <a:picLocks noChangeAspect="1"/>
+          </p:cNvPicPr>
+          <p:nvPr/>
+        </p:nvPicPr>
+        <p:blipFill>
+          <a:blip r:embed="rId4"/>
+          <a:stretch>
+            <a:fillRect/>
+          </a:stretch>
+        </p:blipFill>
+        <p:spPr>
+          <a:xfrm>
+            <a:off x="335360" y="188640"/>
+            <a:ext cx="4876800" cy="2114550"/>
+          </a:xfrm>
+          <a:prstGeom prst="rect">
+            <a:avLst/>
+          </a:prstGeom>
+        </p:spPr>
+      </p:pic>
+      <p:pic>
+        <p:nvPicPr>
+          <p:cNvPr id="3" name="Рисунок 2"/>
+          <p:cNvPicPr>
+            <a:picLocks noChangeAspect="1"/>
+          </p:cNvPicPr>
+          <p:nvPr/>
+        </p:nvPicPr>
+        <p:blipFill>
+          <a:blip r:embed="rId5"/>
+          <a:stretch>
+            <a:fillRect/>
+          </a:stretch>
+        </p:blipFill>
+        <p:spPr>
+          <a:xfrm>
+            <a:off x="407368" y="2423818"/>
+            <a:ext cx="5063902" cy="4026000"/>
+          </a:xfrm>
+          <a:prstGeom prst="rect">
+            <a:avLst/>
+          </a:prstGeom>
+        </p:spPr>
+      </p:pic>
+      <p:sp>
+        <p:nvSpPr>
+          <p:cNvPr id="8" name="Прямоугольник 7"/>
+          <p:cNvSpPr/>
+          <p:nvPr/>
+        </p:nvSpPr>
+        <p:spPr>
+          <a:xfrm>
+            <a:off x="983432" y="5445224"/>
+            <a:ext cx="4104456" cy="648072"/>
+          </a:xfrm>
+          <a:prstGeom prst="rect">
+            <a:avLst/>
+          </a:prstGeom>
+          <a:noFill/>
+          <a:ln>
+            <a:solidFill>
+              <a:srgbClr val="FF0000"/>
+            </a:solidFill>
+          </a:ln>
         </p:spPr>
         <p:style>
           <a:lnRef idx="2">
@@ -5749,17 +5826,84 @@
           <a:lstStyle/>
           <a:p>
             <a:pPr algn="ctr"/>
-            <a:r>
-              <a:rPr lang="en-US" sz="8000" b="1" dirty="0"/>
-              <a:t>CSS Grid Areas</a:t>
-            </a:r>
-          </a:p>
-        </p:txBody>
-      </p:sp>
+            <a:endParaRPr lang="uk-UA">
+              <a:noFill/>
+            </a:endParaRPr>
+          </a:p>
+        </p:txBody>
+      </p:sp>
+      <p:pic>
+        <p:nvPicPr>
+          <p:cNvPr id="10" name="Рисунок 9"/>
+          <p:cNvPicPr>
+            <a:picLocks noChangeAspect="1"/>
+          </p:cNvPicPr>
+          <p:nvPr/>
+        </p:nvPicPr>
+        <p:blipFill>
+          <a:blip r:embed="rId6"/>
+          <a:stretch>
+            <a:fillRect/>
+          </a:stretch>
+        </p:blipFill>
+        <p:spPr>
+          <a:xfrm>
+            <a:off x="5555539" y="1759707"/>
+            <a:ext cx="2321867" cy="1549281"/>
+          </a:xfrm>
+          <a:prstGeom prst="rect">
+            <a:avLst/>
+          </a:prstGeom>
+          <a:ln>
+            <a:noFill/>
+          </a:ln>
+          <a:effectLst>
+            <a:outerShdw blurRad="292100" dist="139700" dir="2700000" algn="tl" rotWithShape="0">
+              <a:srgbClr val="333333">
+                <a:alpha val="65000"/>
+              </a:srgbClr>
+            </a:outerShdw>
+          </a:effectLst>
+        </p:spPr>
+      </p:pic>
+      <p:pic>
+        <p:nvPicPr>
+          <p:cNvPr id="14" name="Рисунок 13"/>
+          <p:cNvPicPr>
+            <a:picLocks noChangeAspect="1"/>
+          </p:cNvPicPr>
+          <p:nvPr/>
+        </p:nvPicPr>
+        <p:blipFill>
+          <a:blip r:embed="rId7"/>
+          <a:stretch>
+            <a:fillRect/>
+          </a:stretch>
+        </p:blipFill>
+        <p:spPr>
+          <a:xfrm>
+            <a:off x="5471270" y="4322305"/>
+            <a:ext cx="3356874" cy="2245838"/>
+          </a:xfrm>
+          <a:prstGeom prst="rect">
+            <a:avLst/>
+          </a:prstGeom>
+          <a:ln>
+            <a:noFill/>
+          </a:ln>
+          <a:effectLst>
+            <a:outerShdw blurRad="292100" dist="139700" dir="2700000" algn="tl" rotWithShape="0">
+              <a:srgbClr val="333333">
+                <a:alpha val="65000"/>
+              </a:srgbClr>
+            </a:outerShdw>
+          </a:effectLst>
+        </p:spPr>
+      </p:pic>
     </p:spTree>
     <p:extLst>
       <p:ext uri="{BB962C8B-B14F-4D97-AF65-F5344CB8AC3E}">
-        <p14:creationId xmlns:p14="http://schemas.microsoft.com/office/powerpoint/2010/main" val="1864376429"/>
+        <p14:creationId xmlns:p14="http://schemas.microsoft.com/office/powerpoint/2010/main" val="2087704541"/>
       </p:ext>
     </p:extLst>
   </p:cSld>
@@ -5788,292 +5932,23 @@
       </p:grpSpPr>
       <p:sp>
         <p:nvSpPr>
-          <p:cNvPr id="4" name="Номер слайда 36"/>
-          <p:cNvSpPr txBox="1">
-            <a:spLocks/>
-          </p:cNvSpPr>
-          <p:nvPr/>
-        </p:nvSpPr>
-        <p:spPr>
-          <a:xfrm>
-            <a:off x="11208568" y="6237312"/>
-            <a:ext cx="648072" cy="432048"/>
-          </a:xfrm>
-          <a:prstGeom prst="roundRect">
-            <a:avLst/>
-          </a:prstGeom>
-          <a:ln w="25400" cap="flat" cmpd="sng" algn="ctr">
-            <a:solidFill>
-              <a:schemeClr val="tx2">
-                <a:lumMod val="60000"/>
-                <a:lumOff val="40000"/>
-              </a:schemeClr>
-            </a:solidFill>
-            <a:prstDash val="solid"/>
-          </a:ln>
-        </p:spPr>
-        <p:style>
-          <a:lnRef idx="2">
-            <a:schemeClr val="accent1"/>
-          </a:lnRef>
-          <a:fillRef idx="1">
-            <a:schemeClr val="lt1"/>
-          </a:fillRef>
-          <a:effectRef idx="0">
-            <a:schemeClr val="accent1"/>
-          </a:effectRef>
-          <a:fontRef idx="minor">
-            <a:schemeClr val="dk1"/>
-          </a:fontRef>
-        </p:style>
-        <p:txBody>
-          <a:bodyPr vert="horz" lIns="91440" tIns="45720" rIns="91440" bIns="45720" rtlCol="0" anchor="ctr"/>
-          <a:lstStyle/>
-          <a:p>
-            <a:pPr algn="ctr">
-              <a:defRPr/>
-            </a:pPr>
-            <a:fld id="{6389AA22-90B4-448C-8B6B-C699140D38B9}" type="slidenum">
-              <a:rPr lang="uk-UA" sz="2400" b="1">
-                <a:solidFill>
-                  <a:schemeClr val="bg1">
-                    <a:lumMod val="50000"/>
-                  </a:schemeClr>
-                </a:solidFill>
-              </a:rPr>
-              <a:pPr algn="ctr">
-                <a:defRPr/>
-              </a:pPr>
-              <a:t>17</a:t>
-            </a:fld>
-            <a:endParaRPr lang="uk-UA" sz="2400" b="1" dirty="0">
-              <a:solidFill>
-                <a:schemeClr val="bg1">
-                  <a:lumMod val="50000"/>
-                </a:schemeClr>
-              </a:solidFill>
-            </a:endParaRPr>
-          </a:p>
-        </p:txBody>
-      </p:sp>
-      <p:sp>
-        <p:nvSpPr>
-          <p:cNvPr id="5" name="TextBox 4"/>
-          <p:cNvSpPr txBox="1"/>
-          <p:nvPr/>
-        </p:nvSpPr>
-        <p:spPr>
-          <a:xfrm>
-            <a:off x="7812870" y="161616"/>
-            <a:ext cx="4295800" cy="584775"/>
-          </a:xfrm>
-          <a:prstGeom prst="rect">
-            <a:avLst/>
-          </a:prstGeom>
-          <a:noFill/>
-        </p:spPr>
-        <p:txBody>
-          <a:bodyPr wrap="square" rtlCol="0">
-            <a:spAutoFit/>
-          </a:bodyPr>
-          <a:lstStyle/>
-          <a:p>
-            <a:pPr algn="ctr"/>
-            <a:r>
-              <a:rPr lang="en-US" sz="3200" b="1" dirty="0"/>
-              <a:t>Grid Areas</a:t>
-            </a:r>
-            <a:endParaRPr lang="ru-RU" sz="3200" b="1" dirty="0"/>
-          </a:p>
-        </p:txBody>
-      </p:sp>
-      <p:sp>
-        <p:nvSpPr>
-          <p:cNvPr id="9" name="TextBox 8"/>
-          <p:cNvSpPr txBox="1"/>
-          <p:nvPr/>
-        </p:nvSpPr>
-        <p:spPr>
-          <a:xfrm>
-            <a:off x="8220786" y="774733"/>
-            <a:ext cx="3736347" cy="2585323"/>
-          </a:xfrm>
-          <a:prstGeom prst="rect">
-            <a:avLst/>
-          </a:prstGeom>
-          <a:noFill/>
-        </p:spPr>
-        <p:txBody>
-          <a:bodyPr wrap="square" rtlCol="0">
-            <a:spAutoFit/>
-          </a:bodyPr>
-          <a:lstStyle/>
-          <a:p>
-            <a:r>
-              <a:rPr lang="en-US" b="1" dirty="0"/>
-              <a:t>CSS Grid </a:t>
-            </a:r>
-            <a:r>
-              <a:rPr lang="ru-RU" dirty="0"/>
-              <a:t>позволяет в текстовом виде формировать макет. Для этого у каждого элемента в сетке должно быть задано имя посредством свойства </a:t>
-            </a:r>
-            <a:r>
-              <a:rPr lang="en-US" b="1" dirty="0"/>
-              <a:t>grid-area</a:t>
-            </a:r>
-            <a:r>
-              <a:rPr lang="en-US" dirty="0"/>
-              <a:t>. </a:t>
-            </a:r>
-            <a:r>
-              <a:rPr lang="ru-RU" dirty="0"/>
-              <a:t>А при помощи свойств </a:t>
-            </a:r>
-            <a:r>
-              <a:rPr lang="en-US" b="1" dirty="0"/>
-              <a:t>grid-template-areas</a:t>
-            </a:r>
-            <a:r>
-              <a:rPr lang="en-US" dirty="0"/>
-              <a:t> </a:t>
-            </a:r>
-            <a:r>
-              <a:rPr lang="ru-RU" dirty="0"/>
-              <a:t>мы задаём расположение элементов в сетке при помощи заданных имён элементов.</a:t>
-            </a:r>
-          </a:p>
-        </p:txBody>
-      </p:sp>
-      <p:sp>
-        <p:nvSpPr>
-          <p:cNvPr id="11" name="Прямоугольник 10"/>
+          <p:cNvPr id="5" name="Прямоугольник 4"/>
           <p:cNvSpPr/>
           <p:nvPr/>
         </p:nvSpPr>
         <p:spPr>
           <a:xfrm>
-            <a:off x="8238893" y="3370532"/>
-            <a:ext cx="2958182" cy="338554"/>
+            <a:off x="0" y="0"/>
+            <a:ext cx="12192000" cy="6858000"/>
           </a:xfrm>
           <a:prstGeom prst="rect">
             <a:avLst/>
           </a:prstGeom>
-        </p:spPr>
-        <p:txBody>
-          <a:bodyPr wrap="none">
-            <a:spAutoFit/>
-          </a:bodyPr>
-          <a:lstStyle/>
-          <a:p>
-            <a:r>
-              <a:rPr lang="en-US" sz="1600" b="1" dirty="0">
-                <a:hlinkClick r:id="rId2"/>
-              </a:rPr>
-              <a:t>https://xsltdev.ru/css/grid-area/</a:t>
-            </a:r>
-            <a:endParaRPr lang="uk-UA" sz="1600" b="1" dirty="0"/>
-          </a:p>
-        </p:txBody>
-      </p:sp>
-      <p:sp>
-        <p:nvSpPr>
-          <p:cNvPr id="6" name="Прямоугольник 5"/>
-          <p:cNvSpPr/>
-          <p:nvPr/>
-        </p:nvSpPr>
-        <p:spPr>
-          <a:xfrm>
-            <a:off x="8238893" y="3742137"/>
-            <a:ext cx="3869777" cy="338554"/>
-          </a:xfrm>
-          <a:prstGeom prst="rect">
-            <a:avLst/>
-          </a:prstGeom>
-        </p:spPr>
-        <p:txBody>
-          <a:bodyPr wrap="none">
-            <a:spAutoFit/>
-          </a:bodyPr>
-          <a:lstStyle/>
-          <a:p>
-            <a:r>
-              <a:rPr lang="en-US" sz="1600" b="1" dirty="0">
-                <a:hlinkClick r:id="rId3"/>
-              </a:rPr>
-              <a:t>https://xsltdev.ru/css/grid-template-areas/</a:t>
-            </a:r>
-            <a:endParaRPr lang="uk-UA" sz="1600" b="1" dirty="0"/>
-          </a:p>
-        </p:txBody>
-      </p:sp>
-      <p:pic>
-        <p:nvPicPr>
-          <p:cNvPr id="2" name="Рисунок 1"/>
-          <p:cNvPicPr>
-            <a:picLocks noChangeAspect="1"/>
-          </p:cNvPicPr>
-          <p:nvPr/>
-        </p:nvPicPr>
-        <p:blipFill>
-          <a:blip r:embed="rId4"/>
-          <a:stretch>
-            <a:fillRect/>
-          </a:stretch>
-        </p:blipFill>
-        <p:spPr>
-          <a:xfrm>
-            <a:off x="335360" y="188640"/>
-            <a:ext cx="4876800" cy="2114550"/>
-          </a:xfrm>
-          <a:prstGeom prst="rect">
-            <a:avLst/>
-          </a:prstGeom>
-        </p:spPr>
-      </p:pic>
-      <p:pic>
-        <p:nvPicPr>
-          <p:cNvPr id="3" name="Рисунок 2"/>
-          <p:cNvPicPr>
-            <a:picLocks noChangeAspect="1"/>
-          </p:cNvPicPr>
-          <p:nvPr/>
-        </p:nvPicPr>
-        <p:blipFill>
-          <a:blip r:embed="rId5"/>
-          <a:stretch>
-            <a:fillRect/>
-          </a:stretch>
-        </p:blipFill>
-        <p:spPr>
-          <a:xfrm>
-            <a:off x="407368" y="2423818"/>
-            <a:ext cx="5063902" cy="4026000"/>
-          </a:xfrm>
-          <a:prstGeom prst="rect">
-            <a:avLst/>
-          </a:prstGeom>
-        </p:spPr>
-      </p:pic>
-      <p:sp>
-        <p:nvSpPr>
-          <p:cNvPr id="8" name="Прямоугольник 7"/>
-          <p:cNvSpPr/>
-          <p:nvPr/>
-        </p:nvSpPr>
-        <p:spPr>
-          <a:xfrm>
-            <a:off x="983432" y="5445224"/>
-            <a:ext cx="4104456" cy="648072"/>
-          </a:xfrm>
-          <a:prstGeom prst="rect">
-            <a:avLst/>
-          </a:prstGeom>
-          <a:noFill/>
-          <a:ln>
-            <a:solidFill>
-              <a:srgbClr val="FF0000"/>
-            </a:solidFill>
-          </a:ln>
+          <a:solidFill>
+            <a:schemeClr val="tx2">
+              <a:lumMod val="75000"/>
+            </a:schemeClr>
+          </a:solidFill>
         </p:spPr>
         <p:style>
           <a:lnRef idx="2">
@@ -6096,84 +5971,18 @@
           <a:lstStyle/>
           <a:p>
             <a:pPr algn="ctr"/>
-            <a:endParaRPr lang="uk-UA">
-              <a:noFill/>
-            </a:endParaRPr>
-          </a:p>
-        </p:txBody>
-      </p:sp>
-      <p:pic>
-        <p:nvPicPr>
-          <p:cNvPr id="10" name="Рисунок 9"/>
-          <p:cNvPicPr>
-            <a:picLocks noChangeAspect="1"/>
-          </p:cNvPicPr>
-          <p:nvPr/>
-        </p:nvPicPr>
-        <p:blipFill>
-          <a:blip r:embed="rId6"/>
-          <a:stretch>
-            <a:fillRect/>
-          </a:stretch>
-        </p:blipFill>
-        <p:spPr>
-          <a:xfrm>
-            <a:off x="5555539" y="1759707"/>
-            <a:ext cx="2321867" cy="1549281"/>
-          </a:xfrm>
-          <a:prstGeom prst="rect">
-            <a:avLst/>
-          </a:prstGeom>
-          <a:ln>
-            <a:noFill/>
-          </a:ln>
-          <a:effectLst>
-            <a:outerShdw blurRad="292100" dist="139700" dir="2700000" algn="tl" rotWithShape="0">
-              <a:srgbClr val="333333">
-                <a:alpha val="65000"/>
-              </a:srgbClr>
-            </a:outerShdw>
-          </a:effectLst>
-        </p:spPr>
-      </p:pic>
-      <p:pic>
-        <p:nvPicPr>
-          <p:cNvPr id="14" name="Рисунок 13"/>
-          <p:cNvPicPr>
-            <a:picLocks noChangeAspect="1"/>
-          </p:cNvPicPr>
-          <p:nvPr/>
-        </p:nvPicPr>
-        <p:blipFill>
-          <a:blip r:embed="rId7"/>
-          <a:stretch>
-            <a:fillRect/>
-          </a:stretch>
-        </p:blipFill>
-        <p:spPr>
-          <a:xfrm>
-            <a:off x="5471270" y="4322305"/>
-            <a:ext cx="3356874" cy="2245838"/>
-          </a:xfrm>
-          <a:prstGeom prst="rect">
-            <a:avLst/>
-          </a:prstGeom>
-          <a:ln>
-            <a:noFill/>
-          </a:ln>
-          <a:effectLst>
-            <a:outerShdw blurRad="292100" dist="139700" dir="2700000" algn="tl" rotWithShape="0">
-              <a:srgbClr val="333333">
-                <a:alpha val="65000"/>
-              </a:srgbClr>
-            </a:outerShdw>
-          </a:effectLst>
-        </p:spPr>
-      </p:pic>
+            <a:r>
+              <a:rPr lang="ru-RU" sz="8000" b="1" dirty="0"/>
+              <a:t>Немного практики</a:t>
+            </a:r>
+            <a:endParaRPr lang="uk-UA" sz="8000" b="1" dirty="0"/>
+          </a:p>
+        </p:txBody>
+      </p:sp>
     </p:spTree>
     <p:extLst>
       <p:ext uri="{BB962C8B-B14F-4D97-AF65-F5344CB8AC3E}">
-        <p14:creationId xmlns:p14="http://schemas.microsoft.com/office/powerpoint/2010/main" val="2087704541"/>
+        <p14:creationId xmlns:p14="http://schemas.microsoft.com/office/powerpoint/2010/main" val="2892024160"/>
       </p:ext>
     </p:extLst>
   </p:cSld>
@@ -6202,57 +6011,185 @@
       </p:grpSpPr>
       <p:sp>
         <p:nvSpPr>
-          <p:cNvPr id="5" name="Прямоугольник 4"/>
-          <p:cNvSpPr/>
+          <p:cNvPr id="4" name="Номер слайда 36"/>
+          <p:cNvSpPr txBox="1">
+            <a:spLocks/>
+          </p:cNvSpPr>
           <p:nvPr/>
         </p:nvSpPr>
         <p:spPr>
           <a:xfrm>
-            <a:off x="0" y="0"/>
-            <a:ext cx="12192000" cy="6858000"/>
-          </a:xfrm>
-          <a:prstGeom prst="rect">
-            <a:avLst/>
-          </a:prstGeom>
-          <a:solidFill>
-            <a:schemeClr val="tx2">
-              <a:lumMod val="75000"/>
-            </a:schemeClr>
-          </a:solidFill>
+            <a:off x="11280576" y="6149264"/>
+            <a:ext cx="648072" cy="432048"/>
+          </a:xfrm>
+          <a:prstGeom prst="roundRect">
+            <a:avLst/>
+          </a:prstGeom>
+          <a:ln w="25400" cap="flat" cmpd="sng" algn="ctr">
+            <a:solidFill>
+              <a:schemeClr val="tx2">
+                <a:lumMod val="60000"/>
+                <a:lumOff val="40000"/>
+              </a:schemeClr>
+            </a:solidFill>
+            <a:prstDash val="solid"/>
+          </a:ln>
         </p:spPr>
         <p:style>
           <a:lnRef idx="2">
-            <a:schemeClr val="accent1">
-              <a:shade val="50000"/>
-            </a:schemeClr>
+            <a:schemeClr val="accent1"/>
           </a:lnRef>
           <a:fillRef idx="1">
-            <a:schemeClr val="accent1"/>
+            <a:schemeClr val="lt1"/>
           </a:fillRef>
           <a:effectRef idx="0">
             <a:schemeClr val="accent1"/>
           </a:effectRef>
           <a:fontRef idx="minor">
-            <a:schemeClr val="lt1"/>
+            <a:schemeClr val="dk1"/>
           </a:fontRef>
         </p:style>
         <p:txBody>
-          <a:bodyPr rtlCol="0" anchor="ctr"/>
+          <a:bodyPr vert="horz" lIns="91440" tIns="45720" rIns="91440" bIns="45720" rtlCol="0" anchor="ctr"/>
+          <a:lstStyle/>
+          <a:p>
+            <a:pPr algn="ctr">
+              <a:defRPr/>
+            </a:pPr>
+            <a:fld id="{6389AA22-90B4-448C-8B6B-C699140D38B9}" type="slidenum">
+              <a:rPr lang="uk-UA" sz="2000" b="1">
+                <a:solidFill>
+                  <a:schemeClr val="bg1">
+                    <a:lumMod val="50000"/>
+                  </a:schemeClr>
+                </a:solidFill>
+              </a:rPr>
+              <a:pPr algn="ctr">
+                <a:defRPr/>
+              </a:pPr>
+              <a:t>18</a:t>
+            </a:fld>
+            <a:endParaRPr lang="uk-UA" sz="2000" b="1" dirty="0">
+              <a:solidFill>
+                <a:schemeClr val="bg1">
+                  <a:lumMod val="50000"/>
+                </a:schemeClr>
+              </a:solidFill>
+            </a:endParaRPr>
+          </a:p>
+        </p:txBody>
+      </p:sp>
+      <p:sp>
+        <p:nvSpPr>
+          <p:cNvPr id="2" name="TextBox 1"/>
+          <p:cNvSpPr txBox="1"/>
+          <p:nvPr/>
+        </p:nvSpPr>
+        <p:spPr>
+          <a:xfrm flipH="1">
+            <a:off x="0" y="6011345"/>
+            <a:ext cx="12192000" cy="400110"/>
+          </a:xfrm>
+          <a:prstGeom prst="rect">
+            <a:avLst/>
+          </a:prstGeom>
+          <a:noFill/>
+        </p:spPr>
+        <p:txBody>
+          <a:bodyPr wrap="square" rtlCol="0">
+            <a:spAutoFit/>
+          </a:bodyPr>
           <a:lstStyle/>
           <a:p>
             <a:pPr algn="ctr"/>
             <a:r>
-              <a:rPr lang="ru-RU" sz="8000" b="1" dirty="0"/>
-              <a:t>Немного практики</a:t>
-            </a:r>
-            <a:endParaRPr lang="uk-UA" sz="8000" b="1" dirty="0"/>
-          </a:p>
-        </p:txBody>
-      </p:sp>
+              <a:rPr lang="en-US" sz="2000" b="1" dirty="0"/>
+              <a:t>CSS Grid </a:t>
+            </a:r>
+            <a:r>
+              <a:rPr lang="ru-RU" sz="2000" dirty="0"/>
+              <a:t>позволяет легко разметить страницу расположив элементы по своим местам.</a:t>
+            </a:r>
+            <a:endParaRPr lang="uk-UA" sz="2000" dirty="0"/>
+          </a:p>
+        </p:txBody>
+      </p:sp>
+      <p:sp>
+        <p:nvSpPr>
+          <p:cNvPr id="6" name="TextBox 5"/>
+          <p:cNvSpPr txBox="1"/>
+          <p:nvPr/>
+        </p:nvSpPr>
+        <p:spPr>
+          <a:xfrm>
+            <a:off x="0" y="188640"/>
+            <a:ext cx="12192000" cy="461665"/>
+          </a:xfrm>
+          <a:prstGeom prst="rect">
+            <a:avLst/>
+          </a:prstGeom>
+          <a:noFill/>
+        </p:spPr>
+        <p:txBody>
+          <a:bodyPr wrap="square" rtlCol="0">
+            <a:spAutoFit/>
+          </a:bodyPr>
+          <a:lstStyle/>
+          <a:p>
+            <a:pPr algn="ctr"/>
+            <a:r>
+              <a:rPr lang="ru-RU" sz="2400" b="1" dirty="0"/>
+              <a:t>Традиционное размещение элементов страницы</a:t>
+            </a:r>
+            <a:endParaRPr lang="uk-UA" sz="2400" b="1" dirty="0"/>
+          </a:p>
+        </p:txBody>
+      </p:sp>
+      <p:pic>
+        <p:nvPicPr>
+          <p:cNvPr id="1026" name="Picture 2" descr="https://devdocs.magento.com/common/images/layouts_block_containers_defn21.png"/>
+          <p:cNvPicPr>
+            <a:picLocks noChangeAspect="1" noChangeArrowheads="1"/>
+          </p:cNvPicPr>
+          <p:nvPr/>
+        </p:nvPicPr>
+        <p:blipFill>
+          <a:blip r:embed="rId2">
+            <a:extLst>
+              <a:ext uri="{28A0092B-C50C-407E-A947-70E740481C1C}">
+                <a14:useLocalDpi xmlns:a14="http://schemas.microsoft.com/office/drawing/2010/main" val="0"/>
+              </a:ext>
+            </a:extLst>
+          </a:blip>
+          <a:srcRect/>
+          <a:stretch>
+            <a:fillRect/>
+          </a:stretch>
+        </p:blipFill>
+        <p:spPr bwMode="auto">
+          <a:xfrm>
+            <a:off x="468615" y="836712"/>
+            <a:ext cx="11460033" cy="4680520"/>
+          </a:xfrm>
+          <a:prstGeom prst="rect">
+            <a:avLst/>
+          </a:prstGeom>
+          <a:noFill/>
+          <a:extLst>
+            <a:ext uri="{909E8E84-426E-40DD-AFC4-6F175D3DCCD1}">
+              <a14:hiddenFill xmlns:a14="http://schemas.microsoft.com/office/drawing/2010/main">
+                <a:solidFill>
+                  <a:srgbClr val="FFFFFF"/>
+                </a:solidFill>
+              </a14:hiddenFill>
+            </a:ext>
+          </a:extLst>
+        </p:spPr>
+      </p:pic>
     </p:spTree>
     <p:extLst>
       <p:ext uri="{BB962C8B-B14F-4D97-AF65-F5344CB8AC3E}">
-        <p14:creationId xmlns:p14="http://schemas.microsoft.com/office/powerpoint/2010/main" val="2892024160"/>
+        <p14:creationId xmlns:p14="http://schemas.microsoft.com/office/powerpoint/2010/main" val="1257714667"/>
       </p:ext>
     </p:extLst>
   </p:cSld>
@@ -6281,185 +6218,57 @@
       </p:grpSpPr>
       <p:sp>
         <p:nvSpPr>
-          <p:cNvPr id="4" name="Номер слайда 36"/>
-          <p:cNvSpPr txBox="1">
-            <a:spLocks/>
-          </p:cNvSpPr>
+          <p:cNvPr id="5" name="Прямоугольник 4"/>
+          <p:cNvSpPr/>
           <p:nvPr/>
         </p:nvSpPr>
         <p:spPr>
           <a:xfrm>
-            <a:off x="11280576" y="6149264"/>
-            <a:ext cx="648072" cy="432048"/>
-          </a:xfrm>
-          <a:prstGeom prst="roundRect">
-            <a:avLst/>
-          </a:prstGeom>
-          <a:ln w="25400" cap="flat" cmpd="sng" algn="ctr">
-            <a:solidFill>
-              <a:schemeClr val="tx2">
-                <a:lumMod val="60000"/>
-                <a:lumOff val="40000"/>
-              </a:schemeClr>
-            </a:solidFill>
-            <a:prstDash val="solid"/>
-          </a:ln>
+            <a:off x="0" y="0"/>
+            <a:ext cx="12192000" cy="6858000"/>
+          </a:xfrm>
+          <a:prstGeom prst="rect">
+            <a:avLst/>
+          </a:prstGeom>
+          <a:solidFill>
+            <a:schemeClr val="tx2">
+              <a:lumMod val="75000"/>
+            </a:schemeClr>
+          </a:solidFill>
         </p:spPr>
         <p:style>
           <a:lnRef idx="2">
-            <a:schemeClr val="accent1"/>
+            <a:schemeClr val="accent1">
+              <a:shade val="50000"/>
+            </a:schemeClr>
           </a:lnRef>
           <a:fillRef idx="1">
-            <a:schemeClr val="lt1"/>
+            <a:schemeClr val="accent1"/>
           </a:fillRef>
           <a:effectRef idx="0">
             <a:schemeClr val="accent1"/>
           </a:effectRef>
           <a:fontRef idx="minor">
-            <a:schemeClr val="dk1"/>
+            <a:schemeClr val="lt1"/>
           </a:fontRef>
         </p:style>
         <p:txBody>
-          <a:bodyPr vert="horz" lIns="91440" tIns="45720" rIns="91440" bIns="45720" rtlCol="0" anchor="ctr"/>
-          <a:lstStyle/>
-          <a:p>
-            <a:pPr algn="ctr">
-              <a:defRPr/>
-            </a:pPr>
-            <a:fld id="{6389AA22-90B4-448C-8B6B-C699140D38B9}" type="slidenum">
-              <a:rPr lang="uk-UA" sz="2000" b="1">
-                <a:solidFill>
-                  <a:schemeClr val="bg1">
-                    <a:lumMod val="50000"/>
-                  </a:schemeClr>
-                </a:solidFill>
-              </a:rPr>
-              <a:pPr algn="ctr">
-                <a:defRPr/>
-              </a:pPr>
-              <a:t>19</a:t>
-            </a:fld>
-            <a:endParaRPr lang="uk-UA" sz="2000" b="1" dirty="0">
-              <a:solidFill>
-                <a:schemeClr val="bg1">
-                  <a:lumMod val="50000"/>
-                </a:schemeClr>
-              </a:solidFill>
-            </a:endParaRPr>
-          </a:p>
-        </p:txBody>
-      </p:sp>
-      <p:sp>
-        <p:nvSpPr>
-          <p:cNvPr id="2" name="TextBox 1"/>
-          <p:cNvSpPr txBox="1"/>
-          <p:nvPr/>
-        </p:nvSpPr>
-        <p:spPr>
-          <a:xfrm flipH="1">
-            <a:off x="0" y="6011345"/>
-            <a:ext cx="12192000" cy="400110"/>
-          </a:xfrm>
-          <a:prstGeom prst="rect">
-            <a:avLst/>
-          </a:prstGeom>
-          <a:noFill/>
-        </p:spPr>
-        <p:txBody>
-          <a:bodyPr wrap="square" rtlCol="0">
-            <a:spAutoFit/>
-          </a:bodyPr>
+          <a:bodyPr rtlCol="0" anchor="ctr"/>
           <a:lstStyle/>
           <a:p>
             <a:pPr algn="ctr"/>
             <a:r>
-              <a:rPr lang="en-US" sz="2000" b="1" dirty="0"/>
-              <a:t>CSS Grid </a:t>
-            </a:r>
-            <a:r>
-              <a:rPr lang="ru-RU" sz="2000" dirty="0"/>
-              <a:t>позволяет легко разметить страницу расположив элементы по своим местам.</a:t>
-            </a:r>
-            <a:endParaRPr lang="uk-UA" sz="2000" dirty="0"/>
-          </a:p>
-        </p:txBody>
-      </p:sp>
-      <p:sp>
-        <p:nvSpPr>
-          <p:cNvPr id="6" name="TextBox 5"/>
-          <p:cNvSpPr txBox="1"/>
-          <p:nvPr/>
-        </p:nvSpPr>
-        <p:spPr>
-          <a:xfrm>
-            <a:off x="0" y="188640"/>
-            <a:ext cx="12192000" cy="461665"/>
-          </a:xfrm>
-          <a:prstGeom prst="rect">
-            <a:avLst/>
-          </a:prstGeom>
-          <a:noFill/>
-        </p:spPr>
-        <p:txBody>
-          <a:bodyPr wrap="square" rtlCol="0">
-            <a:spAutoFit/>
-          </a:bodyPr>
-          <a:lstStyle/>
-          <a:p>
-            <a:pPr algn="ctr"/>
-            <a:r>
-              <a:rPr lang="ru-RU" sz="2400" b="1" dirty="0"/>
-              <a:t>Традиционное размещение элементов страницы</a:t>
-            </a:r>
-            <a:endParaRPr lang="uk-UA" sz="2400" b="1" dirty="0"/>
-          </a:p>
-        </p:txBody>
-      </p:sp>
-      <p:pic>
-        <p:nvPicPr>
-          <p:cNvPr id="1026" name="Picture 2" descr="https://devdocs.magento.com/common/images/layouts_block_containers_defn21.png"/>
-          <p:cNvPicPr>
-            <a:picLocks noChangeAspect="1" noChangeArrowheads="1"/>
-          </p:cNvPicPr>
-          <p:nvPr/>
-        </p:nvPicPr>
-        <p:blipFill>
-          <a:blip r:embed="rId2">
-            <a:extLst>
-              <a:ext uri="{28A0092B-C50C-407E-A947-70E740481C1C}">
-                <a14:useLocalDpi xmlns:a14="http://schemas.microsoft.com/office/drawing/2010/main" val="0"/>
-              </a:ext>
-            </a:extLst>
-          </a:blip>
-          <a:srcRect/>
-          <a:stretch>
-            <a:fillRect/>
-          </a:stretch>
-        </p:blipFill>
-        <p:spPr bwMode="auto">
-          <a:xfrm>
-            <a:off x="468615" y="836712"/>
-            <a:ext cx="11460033" cy="4680520"/>
-          </a:xfrm>
-          <a:prstGeom prst="rect">
-            <a:avLst/>
-          </a:prstGeom>
-          <a:noFill/>
-          <a:extLst>
-            <a:ext uri="{909E8E84-426E-40DD-AFC4-6F175D3DCCD1}">
-              <a14:hiddenFill xmlns:a14="http://schemas.microsoft.com/office/drawing/2010/main">
-                <a:solidFill>
-                  <a:srgbClr val="FFFFFF"/>
-                </a:solidFill>
-              </a14:hiddenFill>
-            </a:ext>
-          </a:extLst>
-        </p:spPr>
-      </p:pic>
+              <a:rPr lang="ru-RU" sz="8000" b="1" dirty="0"/>
+              <a:t>Будет полезным</a:t>
+            </a:r>
+            <a:endParaRPr lang="uk-UA" sz="8000" b="1" dirty="0"/>
+          </a:p>
+        </p:txBody>
+      </p:sp>
     </p:spTree>
     <p:extLst>
       <p:ext uri="{BB962C8B-B14F-4D97-AF65-F5344CB8AC3E}">
-        <p14:creationId xmlns:p14="http://schemas.microsoft.com/office/powerpoint/2010/main" val="1257714667"/>
+        <p14:creationId xmlns:p14="http://schemas.microsoft.com/office/powerpoint/2010/main" val="1854256305"/>
       </p:ext>
     </p:extLst>
   </p:cSld>
@@ -6567,57 +6376,190 @@
       </p:grpSpPr>
       <p:sp>
         <p:nvSpPr>
-          <p:cNvPr id="5" name="Прямоугольник 4"/>
-          <p:cNvSpPr/>
+          <p:cNvPr id="4" name="Номер слайда 36"/>
+          <p:cNvSpPr txBox="1">
+            <a:spLocks/>
+          </p:cNvSpPr>
           <p:nvPr/>
         </p:nvSpPr>
         <p:spPr>
           <a:xfrm>
-            <a:off x="0" y="0"/>
-            <a:ext cx="12192000" cy="6858000"/>
-          </a:xfrm>
-          <a:prstGeom prst="rect">
-            <a:avLst/>
-          </a:prstGeom>
-          <a:solidFill>
-            <a:schemeClr val="tx2">
-              <a:lumMod val="75000"/>
-            </a:schemeClr>
-          </a:solidFill>
+            <a:off x="11280576" y="6149264"/>
+            <a:ext cx="648072" cy="432048"/>
+          </a:xfrm>
+          <a:prstGeom prst="roundRect">
+            <a:avLst/>
+          </a:prstGeom>
+          <a:ln w="25400" cap="flat" cmpd="sng" algn="ctr">
+            <a:solidFill>
+              <a:schemeClr val="tx2">
+                <a:lumMod val="60000"/>
+                <a:lumOff val="40000"/>
+              </a:schemeClr>
+            </a:solidFill>
+            <a:prstDash val="solid"/>
+          </a:ln>
         </p:spPr>
         <p:style>
           <a:lnRef idx="2">
-            <a:schemeClr val="accent1">
-              <a:shade val="50000"/>
-            </a:schemeClr>
+            <a:schemeClr val="accent1"/>
           </a:lnRef>
           <a:fillRef idx="1">
-            <a:schemeClr val="accent1"/>
+            <a:schemeClr val="lt1"/>
           </a:fillRef>
           <a:effectRef idx="0">
             <a:schemeClr val="accent1"/>
           </a:effectRef>
           <a:fontRef idx="minor">
-            <a:schemeClr val="lt1"/>
+            <a:schemeClr val="dk1"/>
           </a:fontRef>
         </p:style>
         <p:txBody>
-          <a:bodyPr rtlCol="0" anchor="ctr"/>
-          <a:lstStyle/>
-          <a:p>
-            <a:pPr algn="ctr"/>
-            <a:r>
-              <a:rPr lang="ru-RU" sz="8000" b="1" dirty="0"/>
-              <a:t>Будет полезным</a:t>
-            </a:r>
-            <a:endParaRPr lang="uk-UA" sz="8000" b="1" dirty="0"/>
+          <a:bodyPr vert="horz" lIns="91440" tIns="45720" rIns="91440" bIns="45720" rtlCol="0" anchor="ctr"/>
+          <a:lstStyle/>
+          <a:p>
+            <a:pPr algn="ctr">
+              <a:defRPr/>
+            </a:pPr>
+            <a:fld id="{6389AA22-90B4-448C-8B6B-C699140D38B9}" type="slidenum">
+              <a:rPr lang="uk-UA" sz="2000" b="1">
+                <a:solidFill>
+                  <a:schemeClr val="bg1">
+                    <a:lumMod val="50000"/>
+                  </a:schemeClr>
+                </a:solidFill>
+              </a:rPr>
+              <a:pPr algn="ctr">
+                <a:defRPr/>
+              </a:pPr>
+              <a:t>20</a:t>
+            </a:fld>
+            <a:endParaRPr lang="uk-UA" sz="2000" b="1" dirty="0">
+              <a:solidFill>
+                <a:schemeClr val="bg1">
+                  <a:lumMod val="50000"/>
+                </a:schemeClr>
+              </a:solidFill>
+            </a:endParaRPr>
+          </a:p>
+        </p:txBody>
+      </p:sp>
+      <p:sp>
+        <p:nvSpPr>
+          <p:cNvPr id="5" name="TextBox 4"/>
+          <p:cNvSpPr txBox="1"/>
+          <p:nvPr/>
+        </p:nvSpPr>
+        <p:spPr>
+          <a:xfrm>
+            <a:off x="8061236" y="2348880"/>
+            <a:ext cx="3435364" cy="584775"/>
+          </a:xfrm>
+          <a:prstGeom prst="rect">
+            <a:avLst/>
+          </a:prstGeom>
+          <a:noFill/>
+        </p:spPr>
+        <p:txBody>
+          <a:bodyPr wrap="none" rtlCol="0">
+            <a:spAutoFit/>
+          </a:bodyPr>
+          <a:lstStyle/>
+          <a:p>
+            <a:r>
+              <a:rPr lang="ru-RU" sz="3200" b="1" dirty="0"/>
+              <a:t>Еще раз о </a:t>
+            </a:r>
+            <a:r>
+              <a:rPr lang="en-US" sz="3200" b="1" dirty="0"/>
+              <a:t>CSS Grid</a:t>
+            </a:r>
+            <a:endParaRPr lang="uk-UA" sz="3200" b="1" dirty="0"/>
+          </a:p>
+        </p:txBody>
+      </p:sp>
+      <p:pic>
+        <p:nvPicPr>
+          <p:cNvPr id="4098" name="Picture 2" descr="https://cdn-images-1.medium.com/max/1600/1*FClp4lVp5qsIi1wxOXAAbA.png"/>
+          <p:cNvPicPr>
+            <a:picLocks noChangeAspect="1" noChangeArrowheads="1"/>
+          </p:cNvPicPr>
+          <p:nvPr/>
+        </p:nvPicPr>
+        <p:blipFill>
+          <a:blip r:embed="rId2">
+            <a:extLst>
+              <a:ext uri="{28A0092B-C50C-407E-A947-70E740481C1C}">
+                <a14:useLocalDpi xmlns:a14="http://schemas.microsoft.com/office/drawing/2010/main" val="0"/>
+              </a:ext>
+            </a:extLst>
+          </a:blip>
+          <a:srcRect/>
+          <a:stretch>
+            <a:fillRect/>
+          </a:stretch>
+        </p:blipFill>
+        <p:spPr bwMode="auto">
+          <a:xfrm>
+            <a:off x="0" y="0"/>
+            <a:ext cx="7892380" cy="6858000"/>
+          </a:xfrm>
+          <a:prstGeom prst="rect">
+            <a:avLst/>
+          </a:prstGeom>
+          <a:noFill/>
+          <a:extLst>
+            <a:ext uri="{909E8E84-426E-40DD-AFC4-6F175D3DCCD1}">
+              <a14:hiddenFill xmlns:a14="http://schemas.microsoft.com/office/drawing/2010/main">
+                <a:solidFill>
+                  <a:srgbClr val="FFFFFF"/>
+                </a:solidFill>
+              </a14:hiddenFill>
+            </a:ext>
+          </a:extLst>
+        </p:spPr>
+      </p:pic>
+      <p:sp>
+        <p:nvSpPr>
+          <p:cNvPr id="12" name="Прямоугольник 11"/>
+          <p:cNvSpPr/>
+          <p:nvPr/>
+        </p:nvSpPr>
+        <p:spPr>
+          <a:xfrm>
+            <a:off x="8035211" y="4077072"/>
+            <a:ext cx="3965445" cy="400110"/>
+          </a:xfrm>
+          <a:prstGeom prst="rect">
+            <a:avLst/>
+          </a:prstGeom>
+        </p:spPr>
+        <p:txBody>
+          <a:bodyPr wrap="none">
+            <a:spAutoFit/>
+          </a:bodyPr>
+          <a:lstStyle/>
+          <a:p>
+            <a:r>
+              <a:rPr lang="uk-UA" sz="2000" b="1" dirty="0">
+                <a:hlinkClick r:id="rId3"/>
+              </a:rPr>
+              <a:t>https://youtu.be/-fDqBEjfzGo?t=</a:t>
+            </a:r>
+            <a:r>
+              <a:rPr lang="en-US" sz="2000" b="1" dirty="0">
+                <a:hlinkClick r:id="rId3"/>
+              </a:rPr>
+              <a:t>39</a:t>
+            </a:r>
+            <a:endParaRPr lang="en-US" sz="2000" b="1" dirty="0"/>
           </a:p>
         </p:txBody>
       </p:sp>
     </p:spTree>
     <p:extLst>
       <p:ext uri="{BB962C8B-B14F-4D97-AF65-F5344CB8AC3E}">
-        <p14:creationId xmlns:p14="http://schemas.microsoft.com/office/powerpoint/2010/main" val="1854256305"/>
+        <p14:creationId xmlns:p14="http://schemas.microsoft.com/office/powerpoint/2010/main" val="2826520153"/>
       </p:ext>
     </p:extLst>
   </p:cSld>
@@ -6692,7 +6634,7 @@
               <a:defRPr/>
             </a:pPr>
             <a:fld id="{6389AA22-90B4-448C-8B6B-C699140D38B9}" type="slidenum">
-              <a:rPr lang="uk-UA" sz="2000" b="1">
+              <a:rPr lang="uk-UA" sz="2400" b="1">
                 <a:solidFill>
                   <a:schemeClr val="bg1">
                     <a:lumMod val="50000"/>
@@ -6704,7 +6646,7 @@
               </a:pPr>
               <a:t>21</a:t>
             </a:fld>
-            <a:endParaRPr lang="uk-UA" sz="2000" b="1" dirty="0">
+            <a:endParaRPr lang="uk-UA" sz="2400" b="1" dirty="0">
               <a:solidFill>
                 <a:schemeClr val="bg1">
                   <a:lumMod val="50000"/>
@@ -6716,14 +6658,14 @@
       </p:sp>
       <p:sp>
         <p:nvSpPr>
-          <p:cNvPr id="5" name="TextBox 4"/>
+          <p:cNvPr id="6" name="TextBox 5"/>
           <p:cNvSpPr txBox="1"/>
           <p:nvPr/>
         </p:nvSpPr>
         <p:spPr>
           <a:xfrm>
-            <a:off x="8061236" y="2348880"/>
-            <a:ext cx="3435364" cy="584775"/>
+            <a:off x="7104112" y="1177588"/>
+            <a:ext cx="5303913" cy="1200329"/>
           </a:xfrm>
           <a:prstGeom prst="rect">
             <a:avLst/>
@@ -6731,53 +6673,95 @@
           <a:noFill/>
         </p:spPr>
         <p:txBody>
-          <a:bodyPr wrap="none" rtlCol="0">
+          <a:bodyPr wrap="square" rtlCol="0">
             <a:spAutoFit/>
           </a:bodyPr>
           <a:lstStyle/>
           <a:p>
             <a:r>
-              <a:rPr lang="ru-RU" sz="3200" b="1" dirty="0"/>
-              <a:t>Еще раз о </a:t>
-            </a:r>
-            <a:r>
-              <a:rPr lang="en-US" sz="3200" b="1" dirty="0"/>
+              <a:rPr lang="ru-RU" sz="3600" b="1" dirty="0"/>
+              <a:t>О выравнивании элементов в </a:t>
+            </a:r>
+            <a:r>
+              <a:rPr lang="en-US" sz="3600" b="1" dirty="0"/>
               <a:t>CSS Grid</a:t>
             </a:r>
-            <a:endParaRPr lang="uk-UA" sz="3200" b="1" dirty="0"/>
+            <a:endParaRPr lang="ru-RU" sz="3600" b="1" dirty="0"/>
+          </a:p>
+        </p:txBody>
+      </p:sp>
+      <p:sp>
+        <p:nvSpPr>
+          <p:cNvPr id="10" name="Прямоугольник 9"/>
+          <p:cNvSpPr/>
+          <p:nvPr/>
+        </p:nvSpPr>
+        <p:spPr>
+          <a:xfrm>
+            <a:off x="7104112" y="4777988"/>
+            <a:ext cx="4415136" cy="523220"/>
+          </a:xfrm>
+          <a:prstGeom prst="rect">
+            <a:avLst/>
+          </a:prstGeom>
+        </p:spPr>
+        <p:txBody>
+          <a:bodyPr wrap="square">
+            <a:spAutoFit/>
+          </a:bodyPr>
+          <a:lstStyle/>
+          <a:p>
+            <a:r>
+              <a:rPr lang="en-US" sz="2800" b="1" dirty="0">
+                <a:hlinkClick r:id="rId2"/>
+              </a:rPr>
+              <a:t>http://tpverstak.ru/grid/</a:t>
+            </a:r>
+            <a:endParaRPr lang="ru-RU" sz="2800" b="1" dirty="0"/>
           </a:p>
         </p:txBody>
       </p:sp>
       <p:pic>
         <p:nvPicPr>
-          <p:cNvPr id="4098" name="Picture 2" descr="https://cdn-images-1.medium.com/max/1600/1*FClp4lVp5qsIi1wxOXAAbA.png"/>
+          <p:cNvPr id="1028" name="Picture 4" descr="https://vegibit.com/wp-content/uploads/2018/08/justify-items-start-example.png"/>
           <p:cNvPicPr>
             <a:picLocks noChangeAspect="1" noChangeArrowheads="1"/>
           </p:cNvPicPr>
           <p:nvPr/>
         </p:nvPicPr>
-        <p:blipFill>
-          <a:blip r:embed="rId2">
+        <p:blipFill rotWithShape="1">
+          <a:blip r:embed="rId3">
             <a:extLst>
               <a:ext uri="{28A0092B-C50C-407E-A947-70E740481C1C}">
                 <a14:useLocalDpi xmlns:a14="http://schemas.microsoft.com/office/drawing/2010/main" val="0"/>
               </a:ext>
             </a:extLst>
           </a:blip>
-          <a:srcRect/>
-          <a:stretch>
-            <a:fillRect/>
-          </a:stretch>
+          <a:srcRect t="9231"/>
+          <a:stretch/>
         </p:blipFill>
         <p:spPr bwMode="auto">
           <a:xfrm>
-            <a:off x="0" y="0"/>
-            <a:ext cx="7892380" cy="6858000"/>
+            <a:off x="492347" y="476967"/>
+            <a:ext cx="5963693" cy="5856560"/>
           </a:xfrm>
           <a:prstGeom prst="rect">
             <a:avLst/>
           </a:prstGeom>
-          <a:noFill/>
+          <a:ln w="19050">
+            <a:solidFill>
+              <a:schemeClr val="bg1">
+                <a:lumMod val="75000"/>
+              </a:schemeClr>
+            </a:solidFill>
+          </a:ln>
+          <a:effectLst>
+            <a:outerShdw blurRad="292100" dist="139700" dir="2700000" algn="tl" rotWithShape="0">
+              <a:srgbClr val="333333">
+                <a:alpha val="65000"/>
+              </a:srgbClr>
+            </a:outerShdw>
+          </a:effectLst>
           <a:extLst>
             <a:ext uri="{909E8E84-426E-40DD-AFC4-6F175D3DCCD1}">
               <a14:hiddenFill xmlns:a14="http://schemas.microsoft.com/office/drawing/2010/main">
@@ -6791,45 +6775,42 @@
       </p:pic>
       <p:sp>
         <p:nvSpPr>
-          <p:cNvPr id="12" name="Прямоугольник 11"/>
-          <p:cNvSpPr/>
+          <p:cNvPr id="3" name="TextBox 2"/>
+          <p:cNvSpPr txBox="1"/>
           <p:nvPr/>
         </p:nvSpPr>
         <p:spPr>
           <a:xfrm>
-            <a:off x="8035211" y="4077072"/>
-            <a:ext cx="3965445" cy="400110"/>
+            <a:off x="7104112" y="2858740"/>
+            <a:ext cx="3885755" cy="1631216"/>
           </a:xfrm>
           <a:prstGeom prst="rect">
             <a:avLst/>
           </a:prstGeom>
-        </p:spPr>
-        <p:txBody>
-          <a:bodyPr wrap="none">
+          <a:noFill/>
+        </p:spPr>
+        <p:txBody>
+          <a:bodyPr wrap="square" rtlCol="0">
             <a:spAutoFit/>
           </a:bodyPr>
           <a:lstStyle/>
           <a:p>
             <a:r>
-              <a:rPr lang="uk-UA" sz="2000" b="1" dirty="0">
-                <a:hlinkClick r:id="rId3"/>
-              </a:rPr>
-              <a:t>https://youtu.be/-fDqBEjfzGo?t=</a:t>
-            </a:r>
-            <a:r>
-              <a:rPr lang="en-US" sz="2000" b="1" dirty="0">
-                <a:hlinkClick r:id="rId3"/>
-              </a:rPr>
-              <a:t>39</a:t>
-            </a:r>
-            <a:endParaRPr lang="en-US" sz="2000" b="1" dirty="0"/>
+              <a:rPr lang="en-US" sz="2000" b="1" dirty="0"/>
+              <a:t>CSS Grid </a:t>
+            </a:r>
+            <a:r>
+              <a:rPr lang="ru-RU" sz="2000" dirty="0"/>
+              <a:t>даёт возможность выравнивать содержимое ячеек сетки, а также распределять ячейки сетки в пределах родительского элемента.</a:t>
+            </a:r>
+            <a:endParaRPr lang="uk-UA" sz="2000" b="1" dirty="0"/>
           </a:p>
         </p:txBody>
       </p:sp>
     </p:spTree>
     <p:extLst>
       <p:ext uri="{BB962C8B-B14F-4D97-AF65-F5344CB8AC3E}">
-        <p14:creationId xmlns:p14="http://schemas.microsoft.com/office/powerpoint/2010/main" val="2826520153"/>
+        <p14:creationId xmlns:p14="http://schemas.microsoft.com/office/powerpoint/2010/main" val="3681086597"/>
       </p:ext>
     </p:extLst>
   </p:cSld>
@@ -6858,231 +6839,54 @@
       </p:grpSpPr>
       <p:sp>
         <p:nvSpPr>
-          <p:cNvPr id="4" name="Номер слайда 36"/>
-          <p:cNvSpPr txBox="1">
-            <a:spLocks/>
-          </p:cNvSpPr>
+          <p:cNvPr id="5" name="Прямоугольник 4"/>
+          <p:cNvSpPr/>
           <p:nvPr/>
         </p:nvSpPr>
         <p:spPr>
           <a:xfrm>
-            <a:off x="11280576" y="6149264"/>
-            <a:ext cx="648072" cy="432048"/>
-          </a:xfrm>
-          <a:prstGeom prst="roundRect">
-            <a:avLst/>
-          </a:prstGeom>
-          <a:ln w="25400" cap="flat" cmpd="sng" algn="ctr">
-            <a:solidFill>
-              <a:schemeClr val="tx2">
-                <a:lumMod val="60000"/>
-                <a:lumOff val="40000"/>
-              </a:schemeClr>
-            </a:solidFill>
-            <a:prstDash val="solid"/>
-          </a:ln>
+            <a:off x="0" y="0"/>
+            <a:ext cx="12192000" cy="6858000"/>
+          </a:xfrm>
+          <a:prstGeom prst="rect">
+            <a:avLst/>
+          </a:prstGeom>
+          <a:solidFill>
+            <a:schemeClr val="tx2">
+              <a:lumMod val="75000"/>
+            </a:schemeClr>
+          </a:solidFill>
         </p:spPr>
         <p:style>
           <a:lnRef idx="2">
-            <a:schemeClr val="accent1"/>
+            <a:schemeClr val="accent1">
+              <a:shade val="50000"/>
+            </a:schemeClr>
           </a:lnRef>
           <a:fillRef idx="1">
-            <a:schemeClr val="lt1"/>
+            <a:schemeClr val="accent1"/>
           </a:fillRef>
           <a:effectRef idx="0">
             <a:schemeClr val="accent1"/>
           </a:effectRef>
           <a:fontRef idx="minor">
-            <a:schemeClr val="dk1"/>
+            <a:schemeClr val="lt1"/>
           </a:fontRef>
         </p:style>
         <p:txBody>
-          <a:bodyPr vert="horz" lIns="91440" tIns="45720" rIns="91440" bIns="45720" rtlCol="0" anchor="ctr"/>
-          <a:lstStyle/>
-          <a:p>
-            <a:pPr algn="ctr">
-              <a:defRPr/>
-            </a:pPr>
-            <a:fld id="{6389AA22-90B4-448C-8B6B-C699140D38B9}" type="slidenum">
-              <a:rPr lang="uk-UA" sz="2400" b="1">
-                <a:solidFill>
-                  <a:schemeClr val="bg1">
-                    <a:lumMod val="50000"/>
-                  </a:schemeClr>
-                </a:solidFill>
-              </a:rPr>
-              <a:pPr algn="ctr">
-                <a:defRPr/>
-              </a:pPr>
-              <a:t>22</a:t>
-            </a:fld>
-            <a:endParaRPr lang="uk-UA" sz="2400" b="1" dirty="0">
-              <a:solidFill>
-                <a:schemeClr val="bg1">
-                  <a:lumMod val="50000"/>
-                </a:schemeClr>
-              </a:solidFill>
-            </a:endParaRPr>
-          </a:p>
-        </p:txBody>
-      </p:sp>
-      <p:sp>
-        <p:nvSpPr>
-          <p:cNvPr id="6" name="TextBox 5"/>
-          <p:cNvSpPr txBox="1"/>
-          <p:nvPr/>
-        </p:nvSpPr>
-        <p:spPr>
-          <a:xfrm>
-            <a:off x="7104112" y="1177588"/>
-            <a:ext cx="5303913" cy="1200329"/>
-          </a:xfrm>
-          <a:prstGeom prst="rect">
-            <a:avLst/>
-          </a:prstGeom>
-          <a:noFill/>
-        </p:spPr>
-        <p:txBody>
-          <a:bodyPr wrap="square" rtlCol="0">
-            <a:spAutoFit/>
-          </a:bodyPr>
-          <a:lstStyle/>
-          <a:p>
-            <a:r>
-              <a:rPr lang="ru-RU" sz="3600" b="1" dirty="0"/>
-              <a:t>О выравнивании элементов в </a:t>
-            </a:r>
-            <a:r>
-              <a:rPr lang="en-US" sz="3600" b="1" dirty="0"/>
-              <a:t>CSS Grid</a:t>
-            </a:r>
-            <a:endParaRPr lang="ru-RU" sz="3600" b="1" dirty="0"/>
-          </a:p>
-        </p:txBody>
-      </p:sp>
-      <p:sp>
-        <p:nvSpPr>
-          <p:cNvPr id="10" name="Прямоугольник 9"/>
-          <p:cNvSpPr/>
-          <p:nvPr/>
-        </p:nvSpPr>
-        <p:spPr>
-          <a:xfrm>
-            <a:off x="7104112" y="4777988"/>
-            <a:ext cx="4415136" cy="523220"/>
-          </a:xfrm>
-          <a:prstGeom prst="rect">
-            <a:avLst/>
-          </a:prstGeom>
-        </p:spPr>
-        <p:txBody>
-          <a:bodyPr wrap="square">
-            <a:spAutoFit/>
-          </a:bodyPr>
-          <a:lstStyle/>
-          <a:p>
-            <a:r>
-              <a:rPr lang="en-US" sz="2800" b="1" dirty="0">
-                <a:hlinkClick r:id="rId2"/>
-              </a:rPr>
-              <a:t>http://tpverstak.ru/grid/</a:t>
-            </a:r>
-            <a:endParaRPr lang="ru-RU" sz="2800" b="1" dirty="0"/>
-          </a:p>
-        </p:txBody>
-      </p:sp>
-      <p:pic>
-        <p:nvPicPr>
-          <p:cNvPr id="1028" name="Picture 4" descr="https://vegibit.com/wp-content/uploads/2018/08/justify-items-start-example.png"/>
-          <p:cNvPicPr>
-            <a:picLocks noChangeAspect="1" noChangeArrowheads="1"/>
-          </p:cNvPicPr>
-          <p:nvPr/>
-        </p:nvPicPr>
-        <p:blipFill rotWithShape="1">
-          <a:blip r:embed="rId3">
-            <a:extLst>
-              <a:ext uri="{28A0092B-C50C-407E-A947-70E740481C1C}">
-                <a14:useLocalDpi xmlns:a14="http://schemas.microsoft.com/office/drawing/2010/main" val="0"/>
-              </a:ext>
-            </a:extLst>
-          </a:blip>
-          <a:srcRect t="9231"/>
-          <a:stretch/>
-        </p:blipFill>
-        <p:spPr bwMode="auto">
-          <a:xfrm>
-            <a:off x="492347" y="476967"/>
-            <a:ext cx="5963693" cy="5856560"/>
-          </a:xfrm>
-          <a:prstGeom prst="rect">
-            <a:avLst/>
-          </a:prstGeom>
-          <a:ln w="19050">
-            <a:solidFill>
-              <a:schemeClr val="bg1">
-                <a:lumMod val="75000"/>
-              </a:schemeClr>
-            </a:solidFill>
-          </a:ln>
-          <a:effectLst>
-            <a:outerShdw blurRad="292100" dist="139700" dir="2700000" algn="tl" rotWithShape="0">
-              <a:srgbClr val="333333">
-                <a:alpha val="65000"/>
-              </a:srgbClr>
-            </a:outerShdw>
-          </a:effectLst>
-          <a:extLst>
-            <a:ext uri="{909E8E84-426E-40DD-AFC4-6F175D3DCCD1}">
-              <a14:hiddenFill xmlns:a14="http://schemas.microsoft.com/office/drawing/2010/main">
-                <a:solidFill>
-                  <a:srgbClr val="FFFFFF"/>
-                </a:solidFill>
-              </a14:hiddenFill>
-            </a:ext>
-          </a:extLst>
-        </p:spPr>
-      </p:pic>
-      <p:sp>
-        <p:nvSpPr>
-          <p:cNvPr id="3" name="TextBox 2"/>
-          <p:cNvSpPr txBox="1"/>
-          <p:nvPr/>
-        </p:nvSpPr>
-        <p:spPr>
-          <a:xfrm>
-            <a:off x="7104112" y="2858740"/>
-            <a:ext cx="3885755" cy="1631216"/>
-          </a:xfrm>
-          <a:prstGeom prst="rect">
-            <a:avLst/>
-          </a:prstGeom>
-          <a:noFill/>
-        </p:spPr>
-        <p:txBody>
-          <a:bodyPr wrap="square" rtlCol="0">
-            <a:spAutoFit/>
-          </a:bodyPr>
-          <a:lstStyle/>
-          <a:p>
-            <a:r>
-              <a:rPr lang="en-US" sz="2000" b="1" dirty="0"/>
-              <a:t>CSS Grid </a:t>
-            </a:r>
-            <a:r>
-              <a:rPr lang="ru-RU" sz="2000" dirty="0"/>
-              <a:t>даёт возможность выравнивать содержимое ячеек сетки, а также распределять ячейки сетки в пределах родительского элемента.</a:t>
-            </a:r>
-            <a:endParaRPr lang="uk-UA" sz="2000" b="1" dirty="0"/>
+          <a:bodyPr rtlCol="0" anchor="ctr"/>
+          <a:lstStyle/>
+          <a:p>
+            <a:pPr algn="ctr"/>
+            <a:r>
+              <a:rPr lang="ru-RU" sz="6000" b="1" dirty="0"/>
+              <a:t>Домашнее задание</a:t>
+            </a:r>
+            <a:endParaRPr lang="uk-UA" sz="6000" b="1" dirty="0"/>
           </a:p>
         </p:txBody>
       </p:sp>
     </p:spTree>
-    <p:extLst>
-      <p:ext uri="{BB962C8B-B14F-4D97-AF65-F5344CB8AC3E}">
-        <p14:creationId xmlns:p14="http://schemas.microsoft.com/office/powerpoint/2010/main" val="3681086597"/>
-      </p:ext>
-    </p:extLst>
   </p:cSld>
   <p:clrMapOvr>
     <a:masterClrMapping/>
@@ -7109,54 +6913,196 @@
       </p:grpSpPr>
       <p:sp>
         <p:nvSpPr>
-          <p:cNvPr id="5" name="Прямоугольник 4"/>
-          <p:cNvSpPr/>
+          <p:cNvPr id="4" name="Номер слайда 36"/>
+          <p:cNvSpPr txBox="1">
+            <a:spLocks/>
+          </p:cNvSpPr>
           <p:nvPr/>
         </p:nvSpPr>
         <p:spPr>
           <a:xfrm>
-            <a:off x="0" y="0"/>
-            <a:ext cx="12192000" cy="6858000"/>
-          </a:xfrm>
-          <a:prstGeom prst="rect">
-            <a:avLst/>
-          </a:prstGeom>
-          <a:solidFill>
-            <a:schemeClr val="tx2">
-              <a:lumMod val="75000"/>
-            </a:schemeClr>
-          </a:solidFill>
+            <a:off x="11208568" y="6105299"/>
+            <a:ext cx="648072" cy="432048"/>
+          </a:xfrm>
+          <a:prstGeom prst="roundRect">
+            <a:avLst/>
+          </a:prstGeom>
+          <a:ln w="25400" cap="flat" cmpd="sng" algn="ctr">
+            <a:solidFill>
+              <a:schemeClr val="tx2">
+                <a:lumMod val="60000"/>
+                <a:lumOff val="40000"/>
+              </a:schemeClr>
+            </a:solidFill>
+            <a:prstDash val="solid"/>
+          </a:ln>
         </p:spPr>
         <p:style>
           <a:lnRef idx="2">
-            <a:schemeClr val="accent1">
-              <a:shade val="50000"/>
-            </a:schemeClr>
+            <a:schemeClr val="accent1"/>
           </a:lnRef>
           <a:fillRef idx="1">
-            <a:schemeClr val="accent1"/>
+            <a:schemeClr val="lt1"/>
           </a:fillRef>
           <a:effectRef idx="0">
             <a:schemeClr val="accent1"/>
           </a:effectRef>
           <a:fontRef idx="minor">
-            <a:schemeClr val="lt1"/>
+            <a:schemeClr val="dk1"/>
           </a:fontRef>
         </p:style>
         <p:txBody>
-          <a:bodyPr rtlCol="0" anchor="ctr"/>
+          <a:bodyPr vert="horz" lIns="91440" tIns="45720" rIns="91440" bIns="45720" rtlCol="0" anchor="ctr"/>
+          <a:lstStyle/>
+          <a:p>
+            <a:pPr algn="ctr">
+              <a:defRPr/>
+            </a:pPr>
+            <a:fld id="{6389AA22-90B4-448C-8B6B-C699140D38B9}" type="slidenum">
+              <a:rPr lang="uk-UA" sz="2400" b="1">
+                <a:solidFill>
+                  <a:schemeClr val="bg1">
+                    <a:lumMod val="50000"/>
+                  </a:schemeClr>
+                </a:solidFill>
+              </a:rPr>
+              <a:pPr algn="ctr">
+                <a:defRPr/>
+              </a:pPr>
+              <a:t>23</a:t>
+            </a:fld>
+            <a:endParaRPr lang="uk-UA" sz="2400" b="1" dirty="0">
+              <a:solidFill>
+                <a:schemeClr val="bg1">
+                  <a:lumMod val="50000"/>
+                </a:schemeClr>
+              </a:solidFill>
+            </a:endParaRPr>
+          </a:p>
+        </p:txBody>
+      </p:sp>
+      <p:sp>
+        <p:nvSpPr>
+          <p:cNvPr id="6" name="TextBox 5"/>
+          <p:cNvSpPr txBox="1"/>
+          <p:nvPr/>
+        </p:nvSpPr>
+        <p:spPr>
+          <a:xfrm>
+            <a:off x="0" y="260648"/>
+            <a:ext cx="12192000" cy="707886"/>
+          </a:xfrm>
+          <a:prstGeom prst="rect">
+            <a:avLst/>
+          </a:prstGeom>
+          <a:noFill/>
+        </p:spPr>
+        <p:txBody>
+          <a:bodyPr wrap="square" rtlCol="0">
+            <a:spAutoFit/>
+          </a:bodyPr>
           <a:lstStyle/>
           <a:p>
             <a:pPr algn="ctr"/>
             <a:r>
-              <a:rPr lang="ru-RU" sz="6000" b="1" dirty="0"/>
-              <a:t>Домашнее задание</a:t>
-            </a:r>
-            <a:endParaRPr lang="uk-UA" sz="6000" b="1" dirty="0"/>
-          </a:p>
-        </p:txBody>
-      </p:sp>
+              <a:rPr lang="ru-RU" sz="4000" b="1" dirty="0"/>
+              <a:t>Пройти игру</a:t>
+            </a:r>
+            <a:r>
+              <a:rPr lang="en-US" sz="4000" b="1" dirty="0"/>
+              <a:t> </a:t>
+            </a:r>
+            <a:r>
+              <a:rPr lang="ru-RU" sz="4000" b="1" dirty="0"/>
+              <a:t>по </a:t>
+            </a:r>
+            <a:r>
+              <a:rPr lang="en-US" sz="4000" b="1" dirty="0"/>
+              <a:t>CSS Grid</a:t>
+            </a:r>
+            <a:r>
+              <a:rPr lang="ru-RU" sz="4000" b="1" dirty="0"/>
+              <a:t>!</a:t>
+            </a:r>
+          </a:p>
+        </p:txBody>
+      </p:sp>
+      <p:sp>
+        <p:nvSpPr>
+          <p:cNvPr id="10" name="Прямоугольник 9"/>
+          <p:cNvSpPr/>
+          <p:nvPr/>
+        </p:nvSpPr>
+        <p:spPr>
+          <a:xfrm>
+            <a:off x="0" y="5798103"/>
+            <a:ext cx="12192000" cy="523220"/>
+          </a:xfrm>
+          <a:prstGeom prst="rect">
+            <a:avLst/>
+          </a:prstGeom>
+        </p:spPr>
+        <p:txBody>
+          <a:bodyPr wrap="square">
+            <a:spAutoFit/>
+          </a:bodyPr>
+          <a:lstStyle/>
+          <a:p>
+            <a:pPr algn="ctr"/>
+            <a:r>
+              <a:rPr lang="en-US" sz="2800" b="1" dirty="0">
+                <a:hlinkClick r:id="rId2"/>
+              </a:rPr>
+              <a:t>https://cssgridgarden.com/</a:t>
+            </a:r>
+            <a:endParaRPr lang="ru-RU" sz="2800" b="1" dirty="0"/>
+          </a:p>
+        </p:txBody>
+      </p:sp>
+      <p:pic>
+        <p:nvPicPr>
+          <p:cNvPr id="3" name="Рисунок 2"/>
+          <p:cNvPicPr>
+            <a:picLocks noChangeAspect="1"/>
+          </p:cNvPicPr>
+          <p:nvPr/>
+        </p:nvPicPr>
+        <p:blipFill>
+          <a:blip r:embed="rId3"/>
+          <a:stretch>
+            <a:fillRect/>
+          </a:stretch>
+        </p:blipFill>
+        <p:spPr>
+          <a:xfrm>
+            <a:off x="1686433" y="1231942"/>
+            <a:ext cx="8819134" cy="4292664"/>
+          </a:xfrm>
+          <a:prstGeom prst="rect">
+            <a:avLst/>
+          </a:prstGeom>
+          <a:ln w="19050">
+            <a:solidFill>
+              <a:schemeClr val="bg1">
+                <a:lumMod val="75000"/>
+              </a:schemeClr>
+            </a:solidFill>
+          </a:ln>
+          <a:effectLst>
+            <a:outerShdw blurRad="292100" dist="139700" dir="2700000" algn="tl" rotWithShape="0">
+              <a:srgbClr val="333333">
+                <a:alpha val="65000"/>
+              </a:srgbClr>
+            </a:outerShdw>
+          </a:effectLst>
+        </p:spPr>
+      </p:pic>
     </p:spTree>
+    <p:extLst>
+      <p:ext uri="{BB962C8B-B14F-4D97-AF65-F5344CB8AC3E}">
+        <p14:creationId xmlns:p14="http://schemas.microsoft.com/office/powerpoint/2010/main" val="2752128066"/>
+      </p:ext>
+    </p:extLst>
   </p:cSld>
   <p:clrMapOvr>
     <a:masterClrMapping/>
@@ -7191,7 +7137,7 @@
         </p:nvSpPr>
         <p:spPr>
           <a:xfrm>
-            <a:off x="11208568" y="6105299"/>
+            <a:off x="11136560" y="6165304"/>
             <a:ext cx="648072" cy="432048"/>
           </a:xfrm>
           <a:prstGeom prst="roundRect">
@@ -7253,14 +7199,14 @@
       </p:sp>
       <p:sp>
         <p:nvSpPr>
-          <p:cNvPr id="6" name="TextBox 5"/>
+          <p:cNvPr id="2" name="TextBox 1"/>
           <p:cNvSpPr txBox="1"/>
           <p:nvPr/>
         </p:nvSpPr>
         <p:spPr>
           <a:xfrm>
-            <a:off x="0" y="260648"/>
-            <a:ext cx="12192000" cy="707886"/>
+            <a:off x="6095721" y="1916832"/>
+            <a:ext cx="5040839" cy="707886"/>
           </a:xfrm>
           <a:prstGeom prst="rect">
             <a:avLst/>
@@ -7273,104 +7219,194 @@
           </a:bodyPr>
           <a:lstStyle/>
           <a:p>
-            <a:pPr algn="ctr"/>
             <a:r>
               <a:rPr lang="ru-RU" sz="4000" b="1" dirty="0"/>
-              <a:t>Пройти игру</a:t>
-            </a:r>
-            <a:r>
-              <a:rPr lang="en-US" sz="4000" b="1" dirty="0"/>
-              <a:t> </a:t>
-            </a:r>
-            <a:r>
-              <a:rPr lang="ru-RU" sz="4000" b="1" dirty="0"/>
-              <a:t>по </a:t>
-            </a:r>
-            <a:r>
-              <a:rPr lang="en-US" sz="4000" b="1" dirty="0"/>
-              <a:t>CSS Grid</a:t>
-            </a:r>
-            <a:r>
-              <a:rPr lang="ru-RU" sz="4000" b="1" dirty="0"/>
-              <a:t>!</a:t>
-            </a:r>
-          </a:p>
-        </p:txBody>
-      </p:sp>
-      <p:sp>
-        <p:nvSpPr>
-          <p:cNvPr id="10" name="Прямоугольник 9"/>
-          <p:cNvSpPr/>
+              <a:t>Домашнее задание</a:t>
+            </a:r>
+            <a:endParaRPr lang="uk-UA" sz="4000" b="1" dirty="0"/>
+          </a:p>
+        </p:txBody>
+      </p:sp>
+      <p:sp>
+        <p:nvSpPr>
+          <p:cNvPr id="3" name="TextBox 2"/>
+          <p:cNvSpPr txBox="1"/>
           <p:nvPr/>
         </p:nvSpPr>
         <p:spPr>
           <a:xfrm>
-            <a:off x="0" y="5798103"/>
-            <a:ext cx="12192000" cy="523220"/>
+            <a:off x="6095721" y="3036004"/>
+            <a:ext cx="3884121" cy="954107"/>
           </a:xfrm>
           <a:prstGeom prst="rect">
             <a:avLst/>
           </a:prstGeom>
-        </p:spPr>
-        <p:txBody>
-          <a:bodyPr wrap="square">
+          <a:noFill/>
+        </p:spPr>
+        <p:txBody>
+          <a:bodyPr wrap="square" rtlCol="0">
             <a:spAutoFit/>
           </a:bodyPr>
           <a:lstStyle/>
           <a:p>
-            <a:pPr algn="ctr"/>
-            <a:r>
-              <a:rPr lang="en-US" sz="2800" b="1" dirty="0">
-                <a:hlinkClick r:id="rId2"/>
-              </a:rPr>
-              <a:t>https://cssgridgarden.com/</a:t>
-            </a:r>
-            <a:endParaRPr lang="ru-RU" sz="2800" b="1" dirty="0"/>
+            <a:r>
+              <a:rPr lang="en-US" sz="2800" b="1" dirty="0"/>
+              <a:t>CSS Grid </a:t>
+            </a:r>
+            <a:r>
+              <a:rPr lang="ru-RU" sz="2800" dirty="0"/>
+              <a:t>и </a:t>
+            </a:r>
+            <a:r>
+              <a:rPr lang="en-US" sz="2800" b="1" dirty="0" err="1"/>
+              <a:t>Bootsrap</a:t>
+            </a:r>
+            <a:r>
+              <a:rPr lang="en-US" sz="2800" b="1" dirty="0"/>
+              <a:t> </a:t>
+            </a:r>
+            <a:r>
+              <a:rPr lang="ru-RU" sz="2800" dirty="0"/>
+              <a:t>вам в помощь…</a:t>
+            </a:r>
+            <a:endParaRPr lang="uk-UA" sz="2800" dirty="0"/>
           </a:p>
         </p:txBody>
       </p:sp>
       <p:pic>
         <p:nvPicPr>
-          <p:cNvPr id="3" name="Рисунок 2"/>
+          <p:cNvPr id="8" name="Рисунок 7"/>
           <p:cNvPicPr>
             <a:picLocks noChangeAspect="1"/>
           </p:cNvPicPr>
           <p:nvPr/>
         </p:nvPicPr>
-        <p:blipFill>
-          <a:blip r:embed="rId3"/>
-          <a:stretch>
-            <a:fillRect/>
-          </a:stretch>
+        <p:blipFill rotWithShape="1">
+          <a:blip r:embed="rId2" cstate="print">
+            <a:extLst>
+              <a:ext uri="{28A0092B-C50C-407E-A947-70E740481C1C}">
+                <a14:useLocalDpi xmlns:a14="http://schemas.microsoft.com/office/drawing/2010/main" val="0"/>
+              </a:ext>
+            </a:extLst>
+          </a:blip>
+          <a:srcRect l="14715" t="9826" r="15200" b="19610"/>
+          <a:stretch/>
         </p:blipFill>
         <p:spPr>
           <a:xfrm>
-            <a:off x="1686433" y="1231942"/>
-            <a:ext cx="8819134" cy="4292664"/>
+            <a:off x="3664" y="0"/>
+            <a:ext cx="4708478" cy="6858000"/>
           </a:xfrm>
           <a:prstGeom prst="rect">
             <a:avLst/>
           </a:prstGeom>
-          <a:ln w="19050">
-            <a:solidFill>
-              <a:schemeClr val="bg1">
-                <a:lumMod val="75000"/>
-              </a:schemeClr>
-            </a:solidFill>
+          <a:ln>
+            <a:noFill/>
           </a:ln>
           <a:effectLst>
-            <a:outerShdw blurRad="292100" dist="139700" dir="2700000" algn="tl" rotWithShape="0">
-              <a:srgbClr val="333333">
-                <a:alpha val="65000"/>
+            <a:outerShdw blurRad="190500" algn="tl" rotWithShape="0">
+              <a:srgbClr val="000000">
+                <a:alpha val="70000"/>
               </a:srgbClr>
             </a:outerShdw>
           </a:effectLst>
         </p:spPr>
       </p:pic>
+      <p:sp>
+        <p:nvSpPr>
+          <p:cNvPr id="7" name="TextBox 6"/>
+          <p:cNvSpPr txBox="1"/>
+          <p:nvPr/>
+        </p:nvSpPr>
+        <p:spPr>
+          <a:xfrm>
+            <a:off x="6095721" y="4401398"/>
+            <a:ext cx="4968552" cy="707886"/>
+          </a:xfrm>
+          <a:prstGeom prst="rect">
+            <a:avLst/>
+          </a:prstGeom>
+          <a:noFill/>
+        </p:spPr>
+        <p:txBody>
+          <a:bodyPr wrap="square" rtlCol="0">
+            <a:spAutoFit/>
+          </a:bodyPr>
+          <a:lstStyle/>
+          <a:p>
+            <a:r>
+              <a:rPr lang="ru-RU" sz="2000" b="1" dirty="0">
+                <a:solidFill>
+                  <a:schemeClr val="accent6">
+                    <a:lumMod val="75000"/>
+                  </a:schemeClr>
+                </a:solidFill>
+              </a:rPr>
+              <a:t>Макет</a:t>
+            </a:r>
+            <a:r>
+              <a:rPr lang="ru-RU" sz="2000" dirty="0"/>
+              <a:t> доступен </a:t>
+            </a:r>
+            <a:r>
+              <a:rPr lang="ru-RU" sz="2000" b="1" dirty="0">
+                <a:solidFill>
+                  <a:srgbClr val="00B050"/>
+                </a:solidFill>
+              </a:rPr>
+              <a:t>в </a:t>
+            </a:r>
+            <a:r>
+              <a:rPr lang="ru-RU" sz="2000" b="1" dirty="0" err="1">
+                <a:solidFill>
+                  <a:srgbClr val="00B050"/>
+                </a:solidFill>
+              </a:rPr>
+              <a:t>репозитории</a:t>
+            </a:r>
+            <a:r>
+              <a:rPr lang="ru-RU" sz="2000" b="1" dirty="0">
+                <a:solidFill>
+                  <a:srgbClr val="00B050"/>
+                </a:solidFill>
+              </a:rPr>
+              <a:t> </a:t>
+            </a:r>
+            <a:r>
+              <a:rPr lang="ru-RU" sz="2000" dirty="0"/>
+              <a:t>занятия, в каталоге </a:t>
+            </a:r>
+            <a:r>
+              <a:rPr lang="en-US" sz="2000" b="1" dirty="0">
+                <a:solidFill>
+                  <a:srgbClr val="00B0F0"/>
+                </a:solidFill>
+              </a:rPr>
+              <a:t>./</a:t>
+            </a:r>
+            <a:r>
+              <a:rPr lang="en-US" sz="2000" b="1" dirty="0" err="1">
+                <a:solidFill>
+                  <a:srgbClr val="00B0F0"/>
+                </a:solidFill>
+              </a:rPr>
+              <a:t>src</a:t>
+            </a:r>
+            <a:r>
+              <a:rPr lang="en-US" sz="2000" b="1" dirty="0">
+                <a:solidFill>
+                  <a:srgbClr val="00B0F0"/>
+                </a:solidFill>
+              </a:rPr>
+              <a:t>/homework-layout</a:t>
+            </a:r>
+          </a:p>
+        </p:txBody>
+      </p:sp>
     </p:spTree>
     <p:extLst>
       <p:ext uri="{BB962C8B-B14F-4D97-AF65-F5344CB8AC3E}">
-        <p14:creationId xmlns:p14="http://schemas.microsoft.com/office/powerpoint/2010/main" val="2752128066"/>
+        <p14:creationId xmlns:p14="http://schemas.microsoft.com/office/powerpoint/2010/main" val="1687862765"/>
       </p:ext>
     </p:extLst>
   </p:cSld>
@@ -7467,85 +7503,9 @@
           </a:p>
         </p:txBody>
       </p:sp>
-      <p:sp>
-        <p:nvSpPr>
-          <p:cNvPr id="2" name="TextBox 1"/>
-          <p:cNvSpPr txBox="1"/>
-          <p:nvPr/>
-        </p:nvSpPr>
-        <p:spPr>
-          <a:xfrm>
-            <a:off x="6095721" y="1916832"/>
-            <a:ext cx="5040839" cy="707886"/>
-          </a:xfrm>
-          <a:prstGeom prst="rect">
-            <a:avLst/>
-          </a:prstGeom>
-          <a:noFill/>
-        </p:spPr>
-        <p:txBody>
-          <a:bodyPr wrap="square" rtlCol="0">
-            <a:spAutoFit/>
-          </a:bodyPr>
-          <a:lstStyle/>
-          <a:p>
-            <a:r>
-              <a:rPr lang="ru-RU" sz="4000" b="1" dirty="0"/>
-              <a:t>Домашнее задание</a:t>
-            </a:r>
-            <a:endParaRPr lang="uk-UA" sz="4000" b="1" dirty="0"/>
-          </a:p>
-        </p:txBody>
-      </p:sp>
-      <p:sp>
-        <p:nvSpPr>
-          <p:cNvPr id="3" name="TextBox 2"/>
-          <p:cNvSpPr txBox="1"/>
-          <p:nvPr/>
-        </p:nvSpPr>
-        <p:spPr>
-          <a:xfrm>
-            <a:off x="6095721" y="3036004"/>
-            <a:ext cx="3884121" cy="954107"/>
-          </a:xfrm>
-          <a:prstGeom prst="rect">
-            <a:avLst/>
-          </a:prstGeom>
-          <a:noFill/>
-        </p:spPr>
-        <p:txBody>
-          <a:bodyPr wrap="square" rtlCol="0">
-            <a:spAutoFit/>
-          </a:bodyPr>
-          <a:lstStyle/>
-          <a:p>
-            <a:r>
-              <a:rPr lang="en-US" sz="2800" b="1" dirty="0"/>
-              <a:t>CSS Grid </a:t>
-            </a:r>
-            <a:r>
-              <a:rPr lang="ru-RU" sz="2800" dirty="0"/>
-              <a:t>и </a:t>
-            </a:r>
-            <a:r>
-              <a:rPr lang="en-US" sz="2800" b="1" dirty="0" err="1"/>
-              <a:t>Bootsrap</a:t>
-            </a:r>
-            <a:r>
-              <a:rPr lang="en-US" sz="2800" b="1" dirty="0"/>
-              <a:t> </a:t>
-            </a:r>
-            <a:r>
-              <a:rPr lang="ru-RU" sz="2800" dirty="0"/>
-              <a:t>вам в помощь…</a:t>
-            </a:r>
-            <a:endParaRPr lang="uk-UA" sz="2800" dirty="0"/>
-          </a:p>
-        </p:txBody>
-      </p:sp>
       <p:pic>
         <p:nvPicPr>
-          <p:cNvPr id="8" name="Рисунок 7"/>
+          <p:cNvPr id="5" name="Рисунок 4"/>
           <p:cNvPicPr>
             <a:picLocks noChangeAspect="1"/>
           </p:cNvPicPr>
@@ -7559,13 +7519,13 @@
               </a:ext>
             </a:extLst>
           </a:blip>
-          <a:srcRect l="14715" t="9826" r="15200" b="19610"/>
+          <a:srcRect l="7096" r="7582"/>
           <a:stretch/>
         </p:blipFill>
         <p:spPr>
           <a:xfrm>
-            <a:off x="3664" y="0"/>
-            <a:ext cx="4708478" cy="6858000"/>
+            <a:off x="1" y="1"/>
+            <a:ext cx="4063288" cy="6858000"/>
           </a:xfrm>
           <a:prstGeom prst="rect">
             <a:avLst/>
@@ -7584,13 +7544,109 @@
       </p:pic>
       <p:sp>
         <p:nvSpPr>
-          <p:cNvPr id="7" name="TextBox 6"/>
+          <p:cNvPr id="10" name="TextBox 9"/>
           <p:cNvSpPr txBox="1"/>
           <p:nvPr/>
         </p:nvSpPr>
         <p:spPr>
           <a:xfrm>
-            <a:off x="6095721" y="4401398"/>
+            <a:off x="5663952" y="1484784"/>
+            <a:ext cx="5400600" cy="923330"/>
+          </a:xfrm>
+          <a:prstGeom prst="rect">
+            <a:avLst/>
+          </a:prstGeom>
+          <a:noFill/>
+        </p:spPr>
+        <p:txBody>
+          <a:bodyPr wrap="square" rtlCol="0">
+            <a:spAutoFit/>
+          </a:bodyPr>
+          <a:lstStyle/>
+          <a:p>
+            <a:r>
+              <a:rPr lang="ru-RU" sz="4000" b="1" dirty="0"/>
+              <a:t>Домашнее задание</a:t>
+            </a:r>
+            <a:r>
+              <a:rPr lang="en-US" sz="4000" b="1" dirty="0"/>
+              <a:t> </a:t>
+            </a:r>
+            <a:r>
+              <a:rPr lang="en-US" sz="5400" b="1" dirty="0">
+                <a:solidFill>
+                  <a:schemeClr val="accent6">
+                    <a:lumMod val="75000"/>
+                  </a:schemeClr>
+                </a:solidFill>
+              </a:rPr>
+              <a:t>++</a:t>
+            </a:r>
+            <a:endParaRPr lang="uk-UA" sz="5400" b="1" dirty="0">
+              <a:solidFill>
+                <a:schemeClr val="accent6">
+                  <a:lumMod val="75000"/>
+                </a:schemeClr>
+              </a:solidFill>
+            </a:endParaRPr>
+          </a:p>
+        </p:txBody>
+      </p:sp>
+      <p:sp>
+        <p:nvSpPr>
+          <p:cNvPr id="11" name="TextBox 10"/>
+          <p:cNvSpPr txBox="1"/>
+          <p:nvPr/>
+        </p:nvSpPr>
+        <p:spPr>
+          <a:xfrm>
+            <a:off x="5663952" y="2819980"/>
+            <a:ext cx="3884121" cy="954107"/>
+          </a:xfrm>
+          <a:prstGeom prst="rect">
+            <a:avLst/>
+          </a:prstGeom>
+          <a:noFill/>
+        </p:spPr>
+        <p:txBody>
+          <a:bodyPr wrap="square" rtlCol="0">
+            <a:spAutoFit/>
+          </a:bodyPr>
+          <a:lstStyle/>
+          <a:p>
+            <a:r>
+              <a:rPr lang="en-US" sz="2800" b="1" dirty="0"/>
+              <a:t>CSS Grid </a:t>
+            </a:r>
+            <a:r>
+              <a:rPr lang="ru-RU" sz="2800" dirty="0"/>
+              <a:t>и </a:t>
+            </a:r>
+            <a:r>
+              <a:rPr lang="en-US" sz="2800" b="1" dirty="0" err="1"/>
+              <a:t>Bootsrap</a:t>
+            </a:r>
+            <a:r>
+              <a:rPr lang="en-US" sz="2800" b="1" dirty="0"/>
+              <a:t> </a:t>
+            </a:r>
+            <a:r>
+              <a:rPr lang="ru-RU" sz="2800" dirty="0"/>
+              <a:t>вам в помощь…</a:t>
+            </a:r>
+            <a:endParaRPr lang="uk-UA" sz="2800" dirty="0"/>
+          </a:p>
+        </p:txBody>
+      </p:sp>
+      <p:sp>
+        <p:nvSpPr>
+          <p:cNvPr id="12" name="TextBox 11"/>
+          <p:cNvSpPr txBox="1"/>
+          <p:nvPr/>
+        </p:nvSpPr>
+        <p:spPr>
+          <a:xfrm>
+            <a:off x="5663952" y="4185374"/>
             <a:ext cx="4968552" cy="707886"/>
           </a:xfrm>
           <a:prstGeom prst="rect">
@@ -7676,7 +7732,7 @@
     </p:spTree>
     <p:extLst>
       <p:ext uri="{BB962C8B-B14F-4D97-AF65-F5344CB8AC3E}">
-        <p14:creationId xmlns:p14="http://schemas.microsoft.com/office/powerpoint/2010/main" val="1687862765"/>
+        <p14:creationId xmlns:p14="http://schemas.microsoft.com/office/powerpoint/2010/main" val="1516391349"/>
       </p:ext>
     </p:extLst>
   </p:cSld>
@@ -7705,304 +7761,64 @@
       </p:grpSpPr>
       <p:sp>
         <p:nvSpPr>
-          <p:cNvPr id="4" name="Номер слайда 36"/>
-          <p:cNvSpPr txBox="1">
-            <a:spLocks/>
-          </p:cNvSpPr>
+          <p:cNvPr id="5" name="Прямоугольник 4"/>
+          <p:cNvSpPr/>
           <p:nvPr/>
         </p:nvSpPr>
         <p:spPr>
           <a:xfrm>
-            <a:off x="11136560" y="6165304"/>
-            <a:ext cx="648072" cy="432048"/>
-          </a:xfrm>
-          <a:prstGeom prst="roundRect">
-            <a:avLst/>
-          </a:prstGeom>
-          <a:ln w="25400" cap="flat" cmpd="sng" algn="ctr">
-            <a:solidFill>
-              <a:schemeClr val="tx2">
-                <a:lumMod val="60000"/>
-                <a:lumOff val="40000"/>
-              </a:schemeClr>
-            </a:solidFill>
-            <a:prstDash val="solid"/>
-          </a:ln>
+            <a:off x="0" y="0"/>
+            <a:ext cx="12192000" cy="6858000"/>
+          </a:xfrm>
+          <a:prstGeom prst="rect">
+            <a:avLst/>
+          </a:prstGeom>
+          <a:solidFill>
+            <a:schemeClr val="tx2">
+              <a:lumMod val="75000"/>
+            </a:schemeClr>
+          </a:solidFill>
         </p:spPr>
         <p:style>
           <a:lnRef idx="2">
-            <a:schemeClr val="accent1"/>
+            <a:schemeClr val="accent1">
+              <a:shade val="50000"/>
+            </a:schemeClr>
           </a:lnRef>
           <a:fillRef idx="1">
-            <a:schemeClr val="lt1"/>
+            <a:schemeClr val="accent1"/>
           </a:fillRef>
           <a:effectRef idx="0">
             <a:schemeClr val="accent1"/>
           </a:effectRef>
           <a:fontRef idx="minor">
-            <a:schemeClr val="dk1"/>
+            <a:schemeClr val="lt1"/>
           </a:fontRef>
         </p:style>
         <p:txBody>
-          <a:bodyPr vert="horz" lIns="91440" tIns="45720" rIns="91440" bIns="45720" rtlCol="0" anchor="ctr"/>
-          <a:lstStyle/>
-          <a:p>
-            <a:pPr algn="ctr">
-              <a:defRPr/>
-            </a:pPr>
-            <a:fld id="{6389AA22-90B4-448C-8B6B-C699140D38B9}" type="slidenum">
-              <a:rPr lang="uk-UA" sz="2400" b="1">
-                <a:solidFill>
-                  <a:schemeClr val="bg1">
-                    <a:lumMod val="50000"/>
-                  </a:schemeClr>
-                </a:solidFill>
-              </a:rPr>
-              <a:pPr algn="ctr">
-                <a:defRPr/>
-              </a:pPr>
-              <a:t>26</a:t>
-            </a:fld>
-            <a:endParaRPr lang="uk-UA" sz="2400" b="1" dirty="0">
-              <a:solidFill>
-                <a:schemeClr val="bg1">
-                  <a:lumMod val="50000"/>
-                </a:schemeClr>
-              </a:solidFill>
-            </a:endParaRPr>
-          </a:p>
-        </p:txBody>
-      </p:sp>
-      <p:pic>
-        <p:nvPicPr>
-          <p:cNvPr id="5" name="Рисунок 4"/>
-          <p:cNvPicPr>
-            <a:picLocks noChangeAspect="1"/>
-          </p:cNvPicPr>
-          <p:nvPr/>
-        </p:nvPicPr>
-        <p:blipFill rotWithShape="1">
-          <a:blip r:embed="rId2" cstate="print">
-            <a:extLst>
-              <a:ext uri="{28A0092B-C50C-407E-A947-70E740481C1C}">
-                <a14:useLocalDpi xmlns:a14="http://schemas.microsoft.com/office/drawing/2010/main" val="0"/>
-              </a:ext>
-            </a:extLst>
-          </a:blip>
-          <a:srcRect l="7096" r="7582"/>
-          <a:stretch/>
-        </p:blipFill>
-        <p:spPr>
-          <a:xfrm>
-            <a:off x="1" y="1"/>
-            <a:ext cx="4063288" cy="6858000"/>
-          </a:xfrm>
-          <a:prstGeom prst="rect">
-            <a:avLst/>
-          </a:prstGeom>
-          <a:ln>
-            <a:noFill/>
-          </a:ln>
-          <a:effectLst>
-            <a:outerShdw blurRad="190500" algn="tl" rotWithShape="0">
-              <a:srgbClr val="000000">
-                <a:alpha val="70000"/>
-              </a:srgbClr>
-            </a:outerShdw>
-          </a:effectLst>
-        </p:spPr>
-      </p:pic>
-      <p:sp>
-        <p:nvSpPr>
-          <p:cNvPr id="10" name="TextBox 9"/>
-          <p:cNvSpPr txBox="1"/>
-          <p:nvPr/>
-        </p:nvSpPr>
-        <p:spPr>
-          <a:xfrm>
-            <a:off x="5663952" y="1484784"/>
-            <a:ext cx="5400600" cy="923330"/>
-          </a:xfrm>
-          <a:prstGeom prst="rect">
-            <a:avLst/>
-          </a:prstGeom>
-          <a:noFill/>
-        </p:spPr>
-        <p:txBody>
-          <a:bodyPr wrap="square" rtlCol="0">
-            <a:spAutoFit/>
-          </a:bodyPr>
-          <a:lstStyle/>
-          <a:p>
-            <a:r>
-              <a:rPr lang="ru-RU" sz="4000" b="1" dirty="0"/>
-              <a:t>Домашнее задание</a:t>
-            </a:r>
-            <a:r>
-              <a:rPr lang="en-US" sz="4000" b="1" dirty="0"/>
-              <a:t> </a:t>
-            </a:r>
-            <a:r>
-              <a:rPr lang="en-US" sz="5400" b="1" dirty="0">
-                <a:solidFill>
-                  <a:schemeClr val="accent6">
-                    <a:lumMod val="75000"/>
-                  </a:schemeClr>
-                </a:solidFill>
-              </a:rPr>
-              <a:t>++</a:t>
-            </a:r>
-            <a:endParaRPr lang="uk-UA" sz="5400" b="1" dirty="0">
-              <a:solidFill>
-                <a:schemeClr val="accent6">
-                  <a:lumMod val="75000"/>
-                </a:schemeClr>
-              </a:solidFill>
-            </a:endParaRPr>
-          </a:p>
-        </p:txBody>
-      </p:sp>
-      <p:sp>
-        <p:nvSpPr>
-          <p:cNvPr id="11" name="TextBox 10"/>
-          <p:cNvSpPr txBox="1"/>
-          <p:nvPr/>
-        </p:nvSpPr>
-        <p:spPr>
-          <a:xfrm>
-            <a:off x="5663952" y="2819980"/>
-            <a:ext cx="3884121" cy="954107"/>
-          </a:xfrm>
-          <a:prstGeom prst="rect">
-            <a:avLst/>
-          </a:prstGeom>
-          <a:noFill/>
-        </p:spPr>
-        <p:txBody>
-          <a:bodyPr wrap="square" rtlCol="0">
-            <a:spAutoFit/>
-          </a:bodyPr>
-          <a:lstStyle/>
-          <a:p>
-            <a:r>
-              <a:rPr lang="en-US" sz="2800" b="1" dirty="0"/>
-              <a:t>CSS Grid </a:t>
-            </a:r>
-            <a:r>
-              <a:rPr lang="ru-RU" sz="2800" dirty="0"/>
-              <a:t>и </a:t>
-            </a:r>
-            <a:r>
-              <a:rPr lang="en-US" sz="2800" b="1" dirty="0" err="1"/>
-              <a:t>Bootsrap</a:t>
-            </a:r>
-            <a:r>
-              <a:rPr lang="en-US" sz="2800" b="1" dirty="0"/>
-              <a:t> </a:t>
-            </a:r>
-            <a:r>
-              <a:rPr lang="ru-RU" sz="2800" dirty="0"/>
-              <a:t>вам в помощь…</a:t>
-            </a:r>
-            <a:endParaRPr lang="uk-UA" sz="2800" dirty="0"/>
-          </a:p>
-        </p:txBody>
-      </p:sp>
-      <p:sp>
-        <p:nvSpPr>
-          <p:cNvPr id="12" name="TextBox 11"/>
-          <p:cNvSpPr txBox="1"/>
-          <p:nvPr/>
-        </p:nvSpPr>
-        <p:spPr>
-          <a:xfrm>
-            <a:off x="5663952" y="4185374"/>
-            <a:ext cx="4968552" cy="707886"/>
-          </a:xfrm>
-          <a:prstGeom prst="rect">
-            <a:avLst/>
-          </a:prstGeom>
-          <a:noFill/>
-        </p:spPr>
-        <p:txBody>
-          <a:bodyPr wrap="square" rtlCol="0">
-            <a:spAutoFit/>
-          </a:bodyPr>
-          <a:lstStyle/>
-          <a:p>
-            <a:r>
-              <a:rPr lang="ru-RU" sz="2000" b="1" dirty="0">
-                <a:solidFill>
-                  <a:schemeClr val="accent6">
-                    <a:lumMod val="75000"/>
-                  </a:schemeClr>
-                </a:solidFill>
-              </a:rPr>
-              <a:t>Макет</a:t>
-            </a:r>
-            <a:r>
-              <a:rPr lang="ru-RU" sz="2000" dirty="0"/>
-              <a:t> доступен </a:t>
-            </a:r>
-            <a:r>
-              <a:rPr lang="ru-RU" sz="2000" b="1" dirty="0">
-                <a:solidFill>
-                  <a:srgbClr val="00B050"/>
-                </a:solidFill>
-              </a:rPr>
-              <a:t>в </a:t>
-            </a:r>
-            <a:r>
-              <a:rPr lang="ru-RU" sz="2000" b="1" dirty="0" err="1">
-                <a:solidFill>
-                  <a:srgbClr val="00B050"/>
-                </a:solidFill>
-              </a:rPr>
-              <a:t>репозитории</a:t>
-            </a:r>
-            <a:r>
-              <a:rPr lang="ru-RU" sz="2000" b="1" dirty="0">
-                <a:solidFill>
-                  <a:srgbClr val="00B050"/>
-                </a:solidFill>
-              </a:rPr>
-              <a:t> </a:t>
-            </a:r>
-            <a:r>
-              <a:rPr lang="ru-RU" sz="2000" dirty="0"/>
-              <a:t>занятия, в каталоге </a:t>
-            </a:r>
-            <a:r>
-              <a:rPr lang="en-US" sz="2000" b="1" dirty="0">
-                <a:solidFill>
-                  <a:srgbClr val="00B0F0"/>
-                </a:solidFill>
-              </a:rPr>
-              <a:t>./</a:t>
-            </a:r>
-            <a:r>
-              <a:rPr lang="en-US" sz="2000" b="1" dirty="0" err="1">
-                <a:solidFill>
-                  <a:srgbClr val="00B0F0"/>
-                </a:solidFill>
-              </a:rPr>
-              <a:t>src</a:t>
-            </a:r>
-            <a:r>
-              <a:rPr lang="en-US" sz="2000" b="1" dirty="0">
-                <a:solidFill>
-                  <a:srgbClr val="00B0F0"/>
-                </a:solidFill>
-              </a:rPr>
-              <a:t>/homework-layout</a:t>
-            </a:r>
+          <a:bodyPr rtlCol="0" anchor="ctr"/>
+          <a:lstStyle/>
+          <a:p>
+            <a:pPr algn="ctr"/>
+            <a:r>
+              <a:rPr lang="ru-RU" sz="6600" b="1" dirty="0"/>
+              <a:t>К следующему </a:t>
+            </a:r>
+          </a:p>
+          <a:p>
+            <a:pPr algn="ctr"/>
+            <a:r>
+              <a:rPr lang="ru-RU" sz="6600" b="1" dirty="0"/>
+              <a:t>занятию…</a:t>
+            </a:r>
+            <a:endParaRPr lang="uk-UA" sz="6600" b="1" dirty="0"/>
           </a:p>
         </p:txBody>
       </p:sp>
     </p:spTree>
     <p:extLst>
       <p:ext uri="{BB962C8B-B14F-4D97-AF65-F5344CB8AC3E}">
-        <p14:creationId xmlns:p14="http://schemas.microsoft.com/office/powerpoint/2010/main" val="1516391349"/>
+        <p14:creationId xmlns:p14="http://schemas.microsoft.com/office/powerpoint/2010/main" val="2767547570"/>
       </p:ext>
     </p:extLst>
   </p:cSld>
@@ -8031,92 +7847,6 @@
       </p:grpSpPr>
       <p:sp>
         <p:nvSpPr>
-          <p:cNvPr id="5" name="Прямоугольник 4"/>
-          <p:cNvSpPr/>
-          <p:nvPr/>
-        </p:nvSpPr>
-        <p:spPr>
-          <a:xfrm>
-            <a:off x="0" y="0"/>
-            <a:ext cx="12192000" cy="6858000"/>
-          </a:xfrm>
-          <a:prstGeom prst="rect">
-            <a:avLst/>
-          </a:prstGeom>
-          <a:solidFill>
-            <a:schemeClr val="tx2">
-              <a:lumMod val="75000"/>
-            </a:schemeClr>
-          </a:solidFill>
-        </p:spPr>
-        <p:style>
-          <a:lnRef idx="2">
-            <a:schemeClr val="accent1">
-              <a:shade val="50000"/>
-            </a:schemeClr>
-          </a:lnRef>
-          <a:fillRef idx="1">
-            <a:schemeClr val="accent1"/>
-          </a:fillRef>
-          <a:effectRef idx="0">
-            <a:schemeClr val="accent1"/>
-          </a:effectRef>
-          <a:fontRef idx="minor">
-            <a:schemeClr val="lt1"/>
-          </a:fontRef>
-        </p:style>
-        <p:txBody>
-          <a:bodyPr rtlCol="0" anchor="ctr"/>
-          <a:lstStyle/>
-          <a:p>
-            <a:pPr algn="ctr"/>
-            <a:r>
-              <a:rPr lang="ru-RU" sz="6600" b="1" dirty="0"/>
-              <a:t>К следующему </a:t>
-            </a:r>
-          </a:p>
-          <a:p>
-            <a:pPr algn="ctr"/>
-            <a:r>
-              <a:rPr lang="ru-RU" sz="6600" b="1" dirty="0"/>
-              <a:t>занятию…</a:t>
-            </a:r>
-            <a:endParaRPr lang="uk-UA" sz="6600" b="1" dirty="0"/>
-          </a:p>
-        </p:txBody>
-      </p:sp>
-    </p:spTree>
-    <p:extLst>
-      <p:ext uri="{BB962C8B-B14F-4D97-AF65-F5344CB8AC3E}">
-        <p14:creationId xmlns:p14="http://schemas.microsoft.com/office/powerpoint/2010/main" val="2767547570"/>
-      </p:ext>
-    </p:extLst>
-  </p:cSld>
-  <p:clrMapOvr>
-    <a:masterClrMapping/>
-  </p:clrMapOvr>
-</p:sld>
-</file>
-
-<file path=ppt/slides/slide28.xml><?xml version="1.0" encoding="utf-8"?>
-<p:sld xmlns:a="http://schemas.openxmlformats.org/drawingml/2006/main" xmlns:r="http://schemas.openxmlformats.org/officeDocument/2006/relationships" xmlns:p="http://schemas.openxmlformats.org/presentationml/2006/main">
-  <p:cSld>
-    <p:spTree>
-      <p:nvGrpSpPr>
-        <p:cNvPr id="1" name=""/>
-        <p:cNvGrpSpPr/>
-        <p:nvPr/>
-      </p:nvGrpSpPr>
-      <p:grpSpPr>
-        <a:xfrm>
-          <a:off x="0" y="0"/>
-          <a:ext cx="0" cy="0"/>
-          <a:chOff x="0" y="0"/>
-          <a:chExt cx="0" cy="0"/>
-        </a:xfrm>
-      </p:grpSpPr>
-      <p:sp>
-        <p:nvSpPr>
           <p:cNvPr id="8" name="Номер слайда 36"/>
           <p:cNvSpPr txBox="1">
             <a:spLocks/>
@@ -8173,7 +7903,7 @@
               <a:pPr algn="ctr">
                 <a:defRPr/>
               </a:pPr>
-              <a:t>28</a:t>
+              <a:t>27</a:t>
             </a:fld>
             <a:endParaRPr lang="uk-UA" sz="2400" b="1" dirty="0">
               <a:solidFill>
